--- a/UMK/UMK.pptx
+++ b/UMK/UMK.pptx
@@ -6,23 +6,24 @@
   </p:sldMasterIdLst>
   <p:sldIdLst>
     <p:sldId id="256" r:id="rId2"/>
-    <p:sldId id="257" r:id="rId3"/>
-    <p:sldId id="258" r:id="rId4"/>
-    <p:sldId id="259" r:id="rId5"/>
-    <p:sldId id="260" r:id="rId6"/>
-    <p:sldId id="272" r:id="rId7"/>
-    <p:sldId id="273" r:id="rId8"/>
-    <p:sldId id="274" r:id="rId9"/>
-    <p:sldId id="275" r:id="rId10"/>
-    <p:sldId id="263" r:id="rId11"/>
-    <p:sldId id="264" r:id="rId12"/>
-    <p:sldId id="265" r:id="rId13"/>
-    <p:sldId id="266" r:id="rId14"/>
-    <p:sldId id="267" r:id="rId15"/>
-    <p:sldId id="268" r:id="rId16"/>
-    <p:sldId id="269" r:id="rId17"/>
-    <p:sldId id="270" r:id="rId18"/>
-    <p:sldId id="271" r:id="rId19"/>
+    <p:sldId id="276" r:id="rId3"/>
+    <p:sldId id="257" r:id="rId4"/>
+    <p:sldId id="258" r:id="rId5"/>
+    <p:sldId id="259" r:id="rId6"/>
+    <p:sldId id="260" r:id="rId7"/>
+    <p:sldId id="272" r:id="rId8"/>
+    <p:sldId id="273" r:id="rId9"/>
+    <p:sldId id="274" r:id="rId10"/>
+    <p:sldId id="275" r:id="rId11"/>
+    <p:sldId id="263" r:id="rId12"/>
+    <p:sldId id="264" r:id="rId13"/>
+    <p:sldId id="265" r:id="rId14"/>
+    <p:sldId id="266" r:id="rId15"/>
+    <p:sldId id="267" r:id="rId16"/>
+    <p:sldId id="268" r:id="rId17"/>
+    <p:sldId id="269" r:id="rId18"/>
+    <p:sldId id="270" r:id="rId19"/>
+    <p:sldId id="271" r:id="rId20"/>
   </p:sldIdLst>
   <p:sldSz cx="9144000" cy="6858000" type="screen4x3"/>
   <p:notesSz cx="6858000" cy="9144000"/>
@@ -4088,6 +4089,13 @@
   <p:clrMapOvr>
     <a:masterClrMapping/>
   </p:clrMapOvr>
+  <p:timing>
+    <p:tnLst>
+      <p:par>
+        <p:cTn id="1" dur="indefinite" restart="never" nodeType="tmRoot"/>
+      </p:par>
+    </p:tnLst>
+  </p:timing>
 </p:sld>
 </file>
 
@@ -4115,6 +4123,123 @@
             <a:spLocks noGrp="1"/>
           </p:cNvSpPr>
           <p:nvPr>
+            <p:ph type="title"/>
+          </p:nvPr>
+        </p:nvSpPr>
+        <p:spPr/>
+        <p:txBody>
+          <a:bodyPr>
+            <a:normAutofit fontScale="90000"/>
+          </a:bodyPr>
+          <a:lstStyle/>
+          <a:p>
+            <a:r>
+              <a:rPr lang="id-ID" dirty="0" smtClean="0"/>
+              <a:t>Penjelasan </a:t>
+            </a:r>
+            <a:r>
+              <a:rPr lang="en-US" dirty="0" smtClean="0"/>
+              <a:t>Goal-Object-Service Diagram</a:t>
+            </a:r>
+            <a:r>
+              <a:rPr lang="id-ID" dirty="0" smtClean="0"/>
+              <a:t> </a:t>
+            </a:r>
+            <a:endParaRPr lang="id-ID" dirty="0"/>
+          </a:p>
+        </p:txBody>
+      </p:sp>
+      <p:sp>
+        <p:nvSpPr>
+          <p:cNvPr id="3" name="Content Placeholder 2"/>
+          <p:cNvSpPr>
+            <a:spLocks noGrp="1"/>
+          </p:cNvSpPr>
+          <p:nvPr>
+            <p:ph idx="1"/>
+          </p:nvPr>
+        </p:nvSpPr>
+        <p:spPr/>
+        <p:txBody>
+          <a:bodyPr>
+            <a:normAutofit/>
+          </a:bodyPr>
+          <a:lstStyle/>
+          <a:p>
+            <a:pPr>
+              <a:buNone/>
+            </a:pPr>
+            <a:r>
+              <a:rPr lang="id-ID" dirty="0" smtClean="0"/>
+              <a:t>Objektif: </a:t>
+            </a:r>
+          </a:p>
+          <a:p>
+            <a:r>
+              <a:rPr lang="sv-SE" dirty="0" smtClean="0"/>
+              <a:t>UMK dapat mencatatkan semua transaksi bisnisnya. </a:t>
+            </a:r>
+          </a:p>
+          <a:p>
+            <a:r>
+              <a:rPr lang="id-ID" dirty="0" smtClean="0"/>
+              <a:t>UMK dapat membuat sistem pembukuan yang diterima oleh Bank. </a:t>
+            </a:r>
+          </a:p>
+          <a:p>
+            <a:r>
+              <a:rPr lang="id-ID" dirty="0" smtClean="0"/>
+              <a:t>UMK dapat membuat daftar produk unggulan yang menjadi ciri khasnya. </a:t>
+            </a:r>
+          </a:p>
+          <a:p>
+            <a:r>
+              <a:rPr lang="id-ID" dirty="0" smtClean="0"/>
+              <a:t>UMK dan Bank dapat berinteraksi dalam konteks permodalan melalui KUR. </a:t>
+            </a:r>
+          </a:p>
+          <a:p>
+            <a:endParaRPr lang="id-ID" dirty="0"/>
+          </a:p>
+        </p:txBody>
+      </p:sp>
+    </p:spTree>
+    <p:extLst>
+      <p:ext uri="{BB962C8B-B14F-4D97-AF65-F5344CB8AC3E}">
+        <p14:creationId xmlns:p14="http://schemas.microsoft.com/office/powerpoint/2010/main" val="257452202"/>
+      </p:ext>
+    </p:extLst>
+  </p:cSld>
+  <p:clrMapOvr>
+    <a:masterClrMapping/>
+  </p:clrMapOvr>
+</p:sld>
+</file>
+
+<file path=ppt/slides/slide11.xml><?xml version="1.0" encoding="utf-8"?>
+<p:sld xmlns:a="http://schemas.openxmlformats.org/drawingml/2006/main" xmlns:r="http://schemas.openxmlformats.org/officeDocument/2006/relationships" xmlns:p="http://schemas.openxmlformats.org/presentationml/2006/main">
+  <p:cSld>
+    <p:spTree>
+      <p:nvGrpSpPr>
+        <p:cNvPr id="1" name=""/>
+        <p:cNvGrpSpPr/>
+        <p:nvPr/>
+      </p:nvGrpSpPr>
+      <p:grpSpPr>
+        <a:xfrm>
+          <a:off x="0" y="0"/>
+          <a:ext cx="0" cy="0"/>
+          <a:chOff x="0" y="0"/>
+          <a:chExt cx="0" cy="0"/>
+        </a:xfrm>
+      </p:grpSpPr>
+      <p:sp>
+        <p:nvSpPr>
+          <p:cNvPr id="2" name="Title 1"/>
+          <p:cNvSpPr>
+            <a:spLocks noGrp="1"/>
+          </p:cNvSpPr>
+          <p:nvPr>
             <p:ph type="ctrTitle"/>
           </p:nvPr>
         </p:nvSpPr>
@@ -4157,7 +4282,7 @@
 </p:sld>
 </file>
 
-<file path=ppt/slides/slide11.xml><?xml version="1.0" encoding="utf-8"?>
+<file path=ppt/slides/slide12.xml><?xml version="1.0" encoding="utf-8"?>
 <p:sld xmlns:a="http://schemas.openxmlformats.org/drawingml/2006/main" xmlns:r="http://schemas.openxmlformats.org/officeDocument/2006/relationships" xmlns:p="http://schemas.openxmlformats.org/presentationml/2006/main">
   <p:cSld>
     <p:spTree>
@@ -4246,7 +4371,7 @@
 </p:sld>
 </file>
 
-<file path=ppt/slides/slide12.xml><?xml version="1.0" encoding="utf-8"?>
+<file path=ppt/slides/slide13.xml><?xml version="1.0" encoding="utf-8"?>
 <p:sld xmlns:a="http://schemas.openxmlformats.org/drawingml/2006/main" xmlns:r="http://schemas.openxmlformats.org/officeDocument/2006/relationships" xmlns:p="http://schemas.openxmlformats.org/presentationml/2006/main">
   <p:cSld>
     <p:spTree>
@@ -4615,7 +4740,7 @@
 </p:sld>
 </file>
 
-<file path=ppt/slides/slide13.xml><?xml version="1.0" encoding="utf-8"?>
+<file path=ppt/slides/slide14.xml><?xml version="1.0" encoding="utf-8"?>
 <p:sld xmlns:a="http://schemas.openxmlformats.org/drawingml/2006/main" xmlns:r="http://schemas.openxmlformats.org/officeDocument/2006/relationships" xmlns:p="http://schemas.openxmlformats.org/presentationml/2006/main">
   <p:cSld>
     <p:spTree>
@@ -4702,7 +4827,7 @@
 </p:sld>
 </file>
 
-<file path=ppt/slides/slide14.xml><?xml version="1.0" encoding="utf-8"?>
+<file path=ppt/slides/slide15.xml><?xml version="1.0" encoding="utf-8"?>
 <p:sld xmlns:a="http://schemas.openxmlformats.org/drawingml/2006/main" xmlns:r="http://schemas.openxmlformats.org/officeDocument/2006/relationships" xmlns:p="http://schemas.openxmlformats.org/presentationml/2006/main">
   <p:cSld>
     <p:spTree>
@@ -5045,7 +5170,7 @@
 </p:sld>
 </file>
 
-<file path=ppt/slides/slide15.xml><?xml version="1.0" encoding="utf-8"?>
+<file path=ppt/slides/slide16.xml><?xml version="1.0" encoding="utf-8"?>
 <p:sld xmlns:a="http://schemas.openxmlformats.org/drawingml/2006/main" xmlns:r="http://schemas.openxmlformats.org/officeDocument/2006/relationships" xmlns:p="http://schemas.openxmlformats.org/presentationml/2006/main">
   <p:cSld>
     <p:spTree>
@@ -5111,7 +5236,7 @@
 </p:sld>
 </file>
 
-<file path=ppt/slides/slide16.xml><?xml version="1.0" encoding="utf-8"?>
+<file path=ppt/slides/slide17.xml><?xml version="1.0" encoding="utf-8"?>
 <p:sld xmlns:a="http://schemas.openxmlformats.org/drawingml/2006/main" xmlns:r="http://schemas.openxmlformats.org/officeDocument/2006/relationships" xmlns:p="http://schemas.openxmlformats.org/presentationml/2006/main">
   <p:cSld>
     <p:spTree>
@@ -5221,7 +5346,7 @@
 </p:sld>
 </file>
 
-<file path=ppt/slides/slide17.xml><?xml version="1.0" encoding="utf-8"?>
+<file path=ppt/slides/slide18.xml><?xml version="1.0" encoding="utf-8"?>
 <p:sld xmlns:a="http://schemas.openxmlformats.org/drawingml/2006/main" xmlns:r="http://schemas.openxmlformats.org/officeDocument/2006/relationships" xmlns:p="http://schemas.openxmlformats.org/presentationml/2006/main">
   <p:cSld>
     <p:spTree>
@@ -5328,7 +5453,7 @@
 </p:sld>
 </file>
 
-<file path=ppt/slides/slide18.xml><?xml version="1.0" encoding="utf-8"?>
+<file path=ppt/slides/slide19.xml><?xml version="1.0" encoding="utf-8"?>
 <p:sld xmlns:a="http://schemas.openxmlformats.org/drawingml/2006/main" xmlns:r="http://schemas.openxmlformats.org/officeDocument/2006/relationships" xmlns:p="http://schemas.openxmlformats.org/presentationml/2006/main">
   <p:cSld>
     <p:spTree>
@@ -5454,6 +5579,69 @@
       </p:grpSpPr>
       <p:sp>
         <p:nvSpPr>
+          <p:cNvPr id="4" name="Title 3"/>
+          <p:cNvSpPr>
+            <a:spLocks noGrp="1"/>
+          </p:cNvSpPr>
+          <p:nvPr>
+            <p:ph type="title"/>
+          </p:nvPr>
+        </p:nvSpPr>
+        <p:spPr>
+          <a:xfrm>
+            <a:off x="-2276" y="2979761"/>
+            <a:ext cx="8446827" cy="1143000"/>
+          </a:xfrm>
+        </p:spPr>
+        <p:txBody>
+          <a:bodyPr/>
+          <a:lstStyle/>
+          <a:p>
+            <a:pPr algn="ctr"/>
+            <a:r>
+              <a:rPr lang="en-US" sz="4800" dirty="0"/>
+              <a:t>Architecture </a:t>
+            </a:r>
+            <a:r>
+              <a:rPr lang="en-US" sz="4800" dirty="0" smtClean="0"/>
+              <a:t>Vision</a:t>
+            </a:r>
+            <a:endParaRPr lang="en-US" dirty="0"/>
+          </a:p>
+        </p:txBody>
+      </p:sp>
+    </p:spTree>
+    <p:extLst>
+      <p:ext uri="{BB962C8B-B14F-4D97-AF65-F5344CB8AC3E}">
+        <p14:creationId xmlns:p14="http://schemas.microsoft.com/office/powerpoint/2010/main" val="2127338812"/>
+      </p:ext>
+    </p:extLst>
+  </p:cSld>
+  <p:clrMapOvr>
+    <a:masterClrMapping/>
+  </p:clrMapOvr>
+</p:sld>
+</file>
+
+<file path=ppt/slides/slide3.xml><?xml version="1.0" encoding="utf-8"?>
+<p:sld xmlns:a="http://schemas.openxmlformats.org/drawingml/2006/main" xmlns:r="http://schemas.openxmlformats.org/officeDocument/2006/relationships" xmlns:p="http://schemas.openxmlformats.org/presentationml/2006/main">
+  <p:cSld>
+    <p:spTree>
+      <p:nvGrpSpPr>
+        <p:cNvPr id="1" name=""/>
+        <p:cNvGrpSpPr/>
+        <p:nvPr/>
+      </p:nvGrpSpPr>
+      <p:grpSpPr>
+        <a:xfrm>
+          <a:off x="0" y="0"/>
+          <a:ext cx="0" cy="0"/>
+          <a:chOff x="0" y="0"/>
+          <a:chExt cx="0" cy="0"/>
+        </a:xfrm>
+      </p:grpSpPr>
+      <p:sp>
+        <p:nvSpPr>
           <p:cNvPr id="2" name="Title 1"/>
           <p:cNvSpPr>
             <a:spLocks noGrp="1"/>
@@ -5471,7 +5659,7 @@
           <a:p>
             <a:r>
               <a:rPr lang="en-US" sz="3600" dirty="0" smtClean="0"/>
-              <a:t>Architecture Vision : Use Case Diagram</a:t>
+              <a:t>Solution Concept Diagram</a:t>
             </a:r>
             <a:endParaRPr lang="en-US" sz="3600" dirty="0"/>
           </a:p>
@@ -5520,7 +5708,7 @@
 </p:sld>
 </file>
 
-<file path=ppt/slides/slide3.xml><?xml version="1.0" encoding="utf-8"?>
+<file path=ppt/slides/slide4.xml><?xml version="1.0" encoding="utf-8"?>
 <p:sld xmlns:a="http://schemas.openxmlformats.org/drawingml/2006/main" xmlns:r="http://schemas.openxmlformats.org/officeDocument/2006/relationships" xmlns:p="http://schemas.openxmlformats.org/presentationml/2006/main">
   <p:cSld>
     <p:spTree>
@@ -6103,7 +6291,7 @@
 </p:sld>
 </file>
 
-<file path=ppt/slides/slide4.xml><?xml version="1.0" encoding="utf-8"?>
+<file path=ppt/slides/slide5.xml><?xml version="1.0" encoding="utf-8"?>
 <p:sld xmlns:a="http://schemas.openxmlformats.org/drawingml/2006/main" xmlns:r="http://schemas.openxmlformats.org/officeDocument/2006/relationships" xmlns:p="http://schemas.openxmlformats.org/presentationml/2006/main">
   <p:cSld>
     <p:spTree>
@@ -6142,7 +6330,11 @@
           <a:p>
             <a:r>
               <a:rPr lang="en-US" sz="4400" dirty="0" smtClean="0"/>
-              <a:t>Architecture Vision : Class Diagram</a:t>
+              <a:t>Class </a:t>
+            </a:r>
+            <a:r>
+              <a:rPr lang="en-US" sz="4400" dirty="0" smtClean="0"/>
+              <a:t>Diagram</a:t>
             </a:r>
             <a:endParaRPr lang="en-US" sz="4400" dirty="0"/>
           </a:p>
@@ -6197,7 +6389,7 @@
 </p:sld>
 </file>
 
-<file path=ppt/slides/slide5.xml><?xml version="1.0" encoding="utf-8"?>
+<file path=ppt/slides/slide6.xml><?xml version="1.0" encoding="utf-8"?>
 <p:sld xmlns:a="http://schemas.openxmlformats.org/drawingml/2006/main" xmlns:r="http://schemas.openxmlformats.org/officeDocument/2006/relationships" xmlns:p="http://schemas.openxmlformats.org/presentationml/2006/main">
   <p:cSld>
     <p:spTree>
@@ -6253,10 +6445,17 @@
   <p:clrMapOvr>
     <a:masterClrMapping/>
   </p:clrMapOvr>
+  <p:timing>
+    <p:tnLst>
+      <p:par>
+        <p:cTn id="1" dur="indefinite" restart="never" nodeType="tmRoot"/>
+      </p:par>
+    </p:tnLst>
+  </p:timing>
 </p:sld>
 </file>
 
-<file path=ppt/slides/slide6.xml><?xml version="1.0" encoding="utf-8"?>
+<file path=ppt/slides/slide7.xml><?xml version="1.0" encoding="utf-8"?>
 <p:sld xmlns:a="http://schemas.openxmlformats.org/drawingml/2006/main" xmlns:r="http://schemas.openxmlformats.org/officeDocument/2006/relationships" xmlns:p="http://schemas.openxmlformats.org/presentationml/2006/main">
   <p:cSld>
     <p:spTree>
@@ -6334,102 +6533,6 @@
 </p:sld>
 </file>
 
-<file path=ppt/slides/slide7.xml><?xml version="1.0" encoding="utf-8"?>
-<p:sld xmlns:a="http://schemas.openxmlformats.org/drawingml/2006/main" xmlns:r="http://schemas.openxmlformats.org/officeDocument/2006/relationships" xmlns:p="http://schemas.openxmlformats.org/presentationml/2006/main">
-  <p:cSld>
-    <p:spTree>
-      <p:nvGrpSpPr>
-        <p:cNvPr id="1" name=""/>
-        <p:cNvGrpSpPr/>
-        <p:nvPr/>
-      </p:nvGrpSpPr>
-      <p:grpSpPr>
-        <a:xfrm>
-          <a:off x="0" y="0"/>
-          <a:ext cx="0" cy="0"/>
-          <a:chOff x="0" y="0"/>
-          <a:chExt cx="0" cy="0"/>
-        </a:xfrm>
-      </p:grpSpPr>
-      <p:sp>
-        <p:nvSpPr>
-          <p:cNvPr id="2" name="Title 1"/>
-          <p:cNvSpPr>
-            <a:spLocks noGrp="1"/>
-          </p:cNvSpPr>
-          <p:nvPr>
-            <p:ph type="title"/>
-          </p:nvPr>
-        </p:nvSpPr>
-        <p:spPr/>
-        <p:txBody>
-          <a:bodyPr/>
-          <a:lstStyle/>
-          <a:p>
-            <a:r>
-              <a:rPr lang="id-ID" dirty="0" smtClean="0"/>
-              <a:t>Penjelasan Use Case Diagram</a:t>
-            </a:r>
-            <a:endParaRPr lang="id-ID" dirty="0"/>
-          </a:p>
-        </p:txBody>
-      </p:sp>
-      <p:sp>
-        <p:nvSpPr>
-          <p:cNvPr id="3" name="Content Placeholder 2"/>
-          <p:cNvSpPr>
-            <a:spLocks noGrp="1"/>
-          </p:cNvSpPr>
-          <p:nvPr>
-            <p:ph idx="1"/>
-          </p:nvPr>
-        </p:nvSpPr>
-        <p:spPr/>
-        <p:txBody>
-          <a:bodyPr>
-            <a:normAutofit lnSpcReduction="10000"/>
-          </a:bodyPr>
-          <a:lstStyle/>
-          <a:p>
-            <a:r>
-              <a:rPr lang="id-ID" dirty="0" smtClean="0"/>
-              <a:t>UMK dapat mendaftarkan diri, membuat profil, membuat katalog produk, melakukan transaksi operasional, menampilkan laporan pembukuan sederhana untuk periode tertentu, dan menampilkan laporan produk unggulan untuk periode tertentu </a:t>
-            </a:r>
-          </a:p>
-          <a:p>
-            <a:r>
-              <a:rPr lang="id-ID" dirty="0" smtClean="0"/>
-              <a:t> Administrator dapat menyetujui pendaftaran UMK, menolak pendaftaran UMK, </a:t>
-            </a:r>
-            <a:r>
-              <a:rPr lang="it-IT" dirty="0" smtClean="0"/>
-              <a:t>memonitor semua data/ informasi dari UMK </a:t>
-            </a:r>
-          </a:p>
-          <a:p>
-            <a:endParaRPr lang="id-ID" dirty="0" smtClean="0"/>
-          </a:p>
-          <a:p>
-            <a:endParaRPr lang="id-ID" dirty="0" smtClean="0"/>
-          </a:p>
-          <a:p>
-            <a:endParaRPr lang="id-ID" dirty="0"/>
-          </a:p>
-        </p:txBody>
-      </p:sp>
-    </p:spTree>
-    <p:extLst>
-      <p:ext uri="{BB962C8B-B14F-4D97-AF65-F5344CB8AC3E}">
-        <p14:creationId xmlns:p14="http://schemas.microsoft.com/office/powerpoint/2010/main" val="1072164705"/>
-      </p:ext>
-    </p:extLst>
-  </p:cSld>
-  <p:clrMapOvr>
-    <a:masterClrMapping/>
-  </p:clrMapOvr>
-</p:sld>
-</file>
-
 <file path=ppt/slides/slide8.xml><?xml version="1.0" encoding="utf-8"?>
 <p:sld xmlns:a="http://schemas.openxmlformats.org/drawingml/2006/main" xmlns:r="http://schemas.openxmlformats.org/officeDocument/2006/relationships" xmlns:p="http://schemas.openxmlformats.org/presentationml/2006/main">
   <p:cSld>
@@ -6463,40 +6566,60 @@
           <a:lstStyle/>
           <a:p>
             <a:r>
-              <a:rPr lang="en-US" dirty="0" smtClean="0"/>
-              <a:t>Goal-Object-Service Diagram</a:t>
+              <a:rPr lang="id-ID" dirty="0" smtClean="0"/>
+              <a:t>Penjelasan Use Case Diagram</a:t>
             </a:r>
             <a:endParaRPr lang="id-ID" dirty="0"/>
           </a:p>
         </p:txBody>
       </p:sp>
-      <p:pic>
-        <p:nvPicPr>
-          <p:cNvPr id="4" name="Content Placeholder 3" descr="goal object service.jpg"/>
-          <p:cNvPicPr>
-            <a:picLocks noGrp="1" noChangeAspect="1"/>
-          </p:cNvPicPr>
+      <p:sp>
+        <p:nvSpPr>
+          <p:cNvPr id="3" name="Content Placeholder 2"/>
+          <p:cNvSpPr>
+            <a:spLocks noGrp="1"/>
+          </p:cNvSpPr>
           <p:nvPr>
             <p:ph idx="1"/>
           </p:nvPr>
-        </p:nvPicPr>
-        <p:blipFill>
-          <a:blip r:embed="rId2"/>
-          <a:stretch>
-            <a:fillRect/>
-          </a:stretch>
-        </p:blipFill>
-        <p:spPr>
-          <a:xfrm>
-            <a:off x="685800" y="1143000"/>
-            <a:ext cx="7621506" cy="5463294"/>
-          </a:xfrm>
-        </p:spPr>
-      </p:pic>
+        </p:nvSpPr>
+        <p:spPr/>
+        <p:txBody>
+          <a:bodyPr>
+            <a:normAutofit/>
+          </a:bodyPr>
+          <a:lstStyle/>
+          <a:p>
+            <a:r>
+              <a:rPr lang="id-ID" dirty="0" smtClean="0"/>
+              <a:t>UMK dapat mendaftarkan diri, membuat profil, membuat katalog produk, melakukan transaksi operasional, menampilkan laporan pembukuan sederhana untuk periode tertentu, dan menampilkan laporan produk unggulan untuk periode tertentu </a:t>
+            </a:r>
+          </a:p>
+          <a:p>
+            <a:r>
+              <a:rPr lang="id-ID" dirty="0" smtClean="0"/>
+              <a:t> Administrator dapat menyetujui pendaftaran UMK, menolak pendaftaran UMK, </a:t>
+            </a:r>
+            <a:r>
+              <a:rPr lang="it-IT" dirty="0" smtClean="0"/>
+              <a:t>memonitor semua data/ informasi dari UMK </a:t>
+            </a:r>
+          </a:p>
+          <a:p>
+            <a:endParaRPr lang="id-ID" dirty="0" smtClean="0"/>
+          </a:p>
+          <a:p>
+            <a:endParaRPr lang="id-ID" dirty="0" smtClean="0"/>
+          </a:p>
+          <a:p>
+            <a:endParaRPr lang="id-ID" dirty="0"/>
+          </a:p>
+        </p:txBody>
+      </p:sp>
     </p:spTree>
     <p:extLst>
       <p:ext uri="{BB962C8B-B14F-4D97-AF65-F5344CB8AC3E}">
-        <p14:creationId xmlns:p14="http://schemas.microsoft.com/office/powerpoint/2010/main" val="159149359"/>
+        <p14:creationId xmlns:p14="http://schemas.microsoft.com/office/powerpoint/2010/main" val="1072164705"/>
       </p:ext>
     </p:extLst>
   </p:cSld>
@@ -6535,85 +6658,44 @@
         </p:nvSpPr>
         <p:spPr/>
         <p:txBody>
-          <a:bodyPr>
-            <a:normAutofit fontScale="90000"/>
-          </a:bodyPr>
+          <a:bodyPr/>
           <a:lstStyle/>
           <a:p>
             <a:r>
-              <a:rPr lang="id-ID" dirty="0" smtClean="0"/>
-              <a:t>Penjelasan </a:t>
-            </a:r>
-            <a:r>
               <a:rPr lang="en-US" dirty="0" smtClean="0"/>
               <a:t>Goal-Object-Service Diagram</a:t>
             </a:r>
-            <a:r>
-              <a:rPr lang="id-ID" dirty="0" smtClean="0"/>
-              <a:t> </a:t>
-            </a:r>
             <a:endParaRPr lang="id-ID" dirty="0"/>
           </a:p>
         </p:txBody>
       </p:sp>
-      <p:sp>
-        <p:nvSpPr>
-          <p:cNvPr id="3" name="Content Placeholder 2"/>
-          <p:cNvSpPr>
-            <a:spLocks noGrp="1"/>
-          </p:cNvSpPr>
+      <p:pic>
+        <p:nvPicPr>
+          <p:cNvPr id="4" name="Content Placeholder 3" descr="goal object service.jpg"/>
+          <p:cNvPicPr>
+            <a:picLocks noGrp="1" noChangeAspect="1"/>
+          </p:cNvPicPr>
           <p:nvPr>
             <p:ph idx="1"/>
           </p:nvPr>
-        </p:nvSpPr>
-        <p:spPr/>
-        <p:txBody>
-          <a:bodyPr>
-            <a:normAutofit fontScale="92500" lnSpcReduction="10000"/>
-          </a:bodyPr>
-          <a:lstStyle/>
-          <a:p>
-            <a:pPr>
-              <a:buNone/>
-            </a:pPr>
-            <a:r>
-              <a:rPr lang="id-ID" dirty="0" smtClean="0"/>
-              <a:t>Objektif: </a:t>
-            </a:r>
-          </a:p>
-          <a:p>
-            <a:r>
-              <a:rPr lang="sv-SE" dirty="0" smtClean="0"/>
-              <a:t>UMK dapat mencatatkan semua transaksi bisnisnya. </a:t>
-            </a:r>
-          </a:p>
-          <a:p>
-            <a:r>
-              <a:rPr lang="id-ID" dirty="0" smtClean="0"/>
-              <a:t>UMK dapat membuat sistem pembukuan yang diterima oleh Bank. </a:t>
-            </a:r>
-          </a:p>
-          <a:p>
-            <a:r>
-              <a:rPr lang="id-ID" dirty="0" smtClean="0"/>
-              <a:t>UMK dapat membuat daftar produk unggulan yang menjadi ciri khasnya. </a:t>
-            </a:r>
-          </a:p>
-          <a:p>
-            <a:r>
-              <a:rPr lang="id-ID" dirty="0" smtClean="0"/>
-              <a:t>UMK dan Bank dapat berinteraksi dalam konteks permodalan melalui KUR. </a:t>
-            </a:r>
-          </a:p>
-          <a:p>
-            <a:endParaRPr lang="id-ID" dirty="0"/>
-          </a:p>
-        </p:txBody>
-      </p:sp>
+        </p:nvPicPr>
+        <p:blipFill>
+          <a:blip r:embed="rId2"/>
+          <a:stretch>
+            <a:fillRect/>
+          </a:stretch>
+        </p:blipFill>
+        <p:spPr>
+          <a:xfrm>
+            <a:off x="685800" y="1143000"/>
+            <a:ext cx="7621506" cy="5463294"/>
+          </a:xfrm>
+        </p:spPr>
+      </p:pic>
     </p:spTree>
     <p:extLst>
       <p:ext uri="{BB962C8B-B14F-4D97-AF65-F5344CB8AC3E}">
-        <p14:creationId xmlns:p14="http://schemas.microsoft.com/office/powerpoint/2010/main" val="257452202"/>
+        <p14:creationId xmlns:p14="http://schemas.microsoft.com/office/powerpoint/2010/main" val="159149359"/>
       </p:ext>
     </p:extLst>
   </p:cSld>

--- a/UMK/UMK.pptx
+++ b/UMK/UMK.pptx
@@ -4,26 +4,31 @@
   <p:sldMasterIdLst>
     <p:sldMasterId id="2147483660" r:id="rId1"/>
   </p:sldMasterIdLst>
+  <p:notesMasterIdLst>
+    <p:notesMasterId r:id="rId23"/>
+  </p:notesMasterIdLst>
   <p:sldIdLst>
     <p:sldId id="256" r:id="rId2"/>
     <p:sldId id="276" r:id="rId3"/>
     <p:sldId id="257" r:id="rId4"/>
-    <p:sldId id="258" r:id="rId5"/>
-    <p:sldId id="259" r:id="rId6"/>
-    <p:sldId id="260" r:id="rId7"/>
-    <p:sldId id="272" r:id="rId8"/>
-    <p:sldId id="273" r:id="rId9"/>
-    <p:sldId id="274" r:id="rId10"/>
-    <p:sldId id="275" r:id="rId11"/>
-    <p:sldId id="263" r:id="rId12"/>
-    <p:sldId id="264" r:id="rId13"/>
-    <p:sldId id="265" r:id="rId14"/>
-    <p:sldId id="266" r:id="rId15"/>
-    <p:sldId id="267" r:id="rId16"/>
-    <p:sldId id="268" r:id="rId17"/>
-    <p:sldId id="269" r:id="rId18"/>
-    <p:sldId id="270" r:id="rId19"/>
-    <p:sldId id="271" r:id="rId20"/>
+    <p:sldId id="259" r:id="rId5"/>
+    <p:sldId id="260" r:id="rId6"/>
+    <p:sldId id="272" r:id="rId7"/>
+    <p:sldId id="273" r:id="rId8"/>
+    <p:sldId id="274" r:id="rId9"/>
+    <p:sldId id="275" r:id="rId10"/>
+    <p:sldId id="263" r:id="rId11"/>
+    <p:sldId id="264" r:id="rId12"/>
+    <p:sldId id="265" r:id="rId13"/>
+    <p:sldId id="266" r:id="rId14"/>
+    <p:sldId id="267" r:id="rId15"/>
+    <p:sldId id="268" r:id="rId16"/>
+    <p:sldId id="277" r:id="rId17"/>
+    <p:sldId id="278" r:id="rId18"/>
+    <p:sldId id="279" r:id="rId19"/>
+    <p:sldId id="280" r:id="rId20"/>
+    <p:sldId id="281" r:id="rId21"/>
+    <p:sldId id="282" r:id="rId22"/>
   </p:sldIdLst>
   <p:sldSz cx="9144000" cy="6858000" type="screen4x3"/>
   <p:notesSz cx="6858000" cy="9144000"/>
@@ -123,6 +128,444 @@
     </a:lvl9pPr>
   </p:defaultTextStyle>
 </p:presentation>
+</file>
+
+<file path=ppt/notesMasters/notesMaster1.xml><?xml version="1.0" encoding="utf-8"?>
+<p:notesMaster xmlns:a="http://schemas.openxmlformats.org/drawingml/2006/main" xmlns:r="http://schemas.openxmlformats.org/officeDocument/2006/relationships" xmlns:p="http://schemas.openxmlformats.org/presentationml/2006/main">
+  <p:cSld>
+    <p:bg>
+      <p:bgRef idx="1001">
+        <a:schemeClr val="bg1"/>
+      </p:bgRef>
+    </p:bg>
+    <p:spTree>
+      <p:nvGrpSpPr>
+        <p:cNvPr id="1" name=""/>
+        <p:cNvGrpSpPr/>
+        <p:nvPr/>
+      </p:nvGrpSpPr>
+      <p:grpSpPr>
+        <a:xfrm>
+          <a:off x="0" y="0"/>
+          <a:ext cx="0" cy="0"/>
+          <a:chOff x="0" y="0"/>
+          <a:chExt cx="0" cy="0"/>
+        </a:xfrm>
+      </p:grpSpPr>
+      <p:sp>
+        <p:nvSpPr>
+          <p:cNvPr id="2" name="Header Placeholder 1"/>
+          <p:cNvSpPr>
+            <a:spLocks noGrp="1"/>
+          </p:cNvSpPr>
+          <p:nvPr>
+            <p:ph type="hdr" sz="quarter"/>
+          </p:nvPr>
+        </p:nvSpPr>
+        <p:spPr>
+          <a:xfrm>
+            <a:off x="0" y="0"/>
+            <a:ext cx="2971800" cy="457200"/>
+          </a:xfrm>
+          <a:prstGeom prst="rect">
+            <a:avLst/>
+          </a:prstGeom>
+        </p:spPr>
+        <p:txBody>
+          <a:bodyPr vert="horz" lIns="91440" tIns="45720" rIns="91440" bIns="45720" rtlCol="0"/>
+          <a:lstStyle>
+            <a:lvl1pPr algn="l">
+              <a:defRPr sz="1200"/>
+            </a:lvl1pPr>
+          </a:lstStyle>
+          <a:p>
+            <a:endParaRPr lang="en-US"/>
+          </a:p>
+        </p:txBody>
+      </p:sp>
+      <p:sp>
+        <p:nvSpPr>
+          <p:cNvPr id="3" name="Date Placeholder 2"/>
+          <p:cNvSpPr>
+            <a:spLocks noGrp="1"/>
+          </p:cNvSpPr>
+          <p:nvPr>
+            <p:ph type="dt" idx="1"/>
+          </p:nvPr>
+        </p:nvSpPr>
+        <p:spPr>
+          <a:xfrm>
+            <a:off x="3884613" y="0"/>
+            <a:ext cx="2971800" cy="457200"/>
+          </a:xfrm>
+          <a:prstGeom prst="rect">
+            <a:avLst/>
+          </a:prstGeom>
+        </p:spPr>
+        <p:txBody>
+          <a:bodyPr vert="horz" lIns="91440" tIns="45720" rIns="91440" bIns="45720" rtlCol="0"/>
+          <a:lstStyle>
+            <a:lvl1pPr algn="r">
+              <a:defRPr sz="1200"/>
+            </a:lvl1pPr>
+          </a:lstStyle>
+          <a:p>
+            <a:fld id="{3D9ACF6C-02F4-4C77-8162-16F575BCBEEA}" type="datetimeFigureOut">
+              <a:rPr lang="en-US" smtClean="0"/>
+              <a:t>12/3/2014</a:t>
+            </a:fld>
+            <a:endParaRPr lang="en-US"/>
+          </a:p>
+        </p:txBody>
+      </p:sp>
+      <p:sp>
+        <p:nvSpPr>
+          <p:cNvPr id="4" name="Slide Image Placeholder 3"/>
+          <p:cNvSpPr>
+            <a:spLocks noGrp="1" noRot="1" noChangeAspect="1"/>
+          </p:cNvSpPr>
+          <p:nvPr>
+            <p:ph type="sldImg" idx="2"/>
+          </p:nvPr>
+        </p:nvSpPr>
+        <p:spPr>
+          <a:xfrm>
+            <a:off x="1143000" y="685800"/>
+            <a:ext cx="4572000" cy="3429000"/>
+          </a:xfrm>
+          <a:prstGeom prst="rect">
+            <a:avLst/>
+          </a:prstGeom>
+          <a:noFill/>
+          <a:ln w="12700">
+            <a:solidFill>
+              <a:prstClr val="black"/>
+            </a:solidFill>
+          </a:ln>
+        </p:spPr>
+        <p:txBody>
+          <a:bodyPr vert="horz" lIns="91440" tIns="45720" rIns="91440" bIns="45720" rtlCol="0" anchor="ctr"/>
+          <a:lstStyle/>
+          <a:p>
+            <a:endParaRPr lang="en-US"/>
+          </a:p>
+        </p:txBody>
+      </p:sp>
+      <p:sp>
+        <p:nvSpPr>
+          <p:cNvPr id="5" name="Notes Placeholder 4"/>
+          <p:cNvSpPr>
+            <a:spLocks noGrp="1"/>
+          </p:cNvSpPr>
+          <p:nvPr>
+            <p:ph type="body" sz="quarter" idx="3"/>
+          </p:nvPr>
+        </p:nvSpPr>
+        <p:spPr>
+          <a:xfrm>
+            <a:off x="685800" y="4343400"/>
+            <a:ext cx="5486400" cy="4114800"/>
+          </a:xfrm>
+          <a:prstGeom prst="rect">
+            <a:avLst/>
+          </a:prstGeom>
+        </p:spPr>
+        <p:txBody>
+          <a:bodyPr vert="horz" lIns="91440" tIns="45720" rIns="91440" bIns="45720" rtlCol="0"/>
+          <a:lstStyle/>
+          <a:p>
+            <a:pPr lvl="0"/>
+            <a:r>
+              <a:rPr lang="en-US" smtClean="0"/>
+              <a:t>Click to edit Master text styles</a:t>
+            </a:r>
+          </a:p>
+          <a:p>
+            <a:pPr lvl="1"/>
+            <a:r>
+              <a:rPr lang="en-US" smtClean="0"/>
+              <a:t>Second level</a:t>
+            </a:r>
+          </a:p>
+          <a:p>
+            <a:pPr lvl="2"/>
+            <a:r>
+              <a:rPr lang="en-US" smtClean="0"/>
+              <a:t>Third level</a:t>
+            </a:r>
+          </a:p>
+          <a:p>
+            <a:pPr lvl="3"/>
+            <a:r>
+              <a:rPr lang="en-US" smtClean="0"/>
+              <a:t>Fourth level</a:t>
+            </a:r>
+          </a:p>
+          <a:p>
+            <a:pPr lvl="4"/>
+            <a:r>
+              <a:rPr lang="en-US" smtClean="0"/>
+              <a:t>Fifth level</a:t>
+            </a:r>
+            <a:endParaRPr lang="en-US"/>
+          </a:p>
+        </p:txBody>
+      </p:sp>
+      <p:sp>
+        <p:nvSpPr>
+          <p:cNvPr id="6" name="Footer Placeholder 5"/>
+          <p:cNvSpPr>
+            <a:spLocks noGrp="1"/>
+          </p:cNvSpPr>
+          <p:nvPr>
+            <p:ph type="ftr" sz="quarter" idx="4"/>
+          </p:nvPr>
+        </p:nvSpPr>
+        <p:spPr>
+          <a:xfrm>
+            <a:off x="0" y="8685213"/>
+            <a:ext cx="2971800" cy="457200"/>
+          </a:xfrm>
+          <a:prstGeom prst="rect">
+            <a:avLst/>
+          </a:prstGeom>
+        </p:spPr>
+        <p:txBody>
+          <a:bodyPr vert="horz" lIns="91440" tIns="45720" rIns="91440" bIns="45720" rtlCol="0" anchor="b"/>
+          <a:lstStyle>
+            <a:lvl1pPr algn="l">
+              <a:defRPr sz="1200"/>
+            </a:lvl1pPr>
+          </a:lstStyle>
+          <a:p>
+            <a:endParaRPr lang="en-US"/>
+          </a:p>
+        </p:txBody>
+      </p:sp>
+      <p:sp>
+        <p:nvSpPr>
+          <p:cNvPr id="7" name="Slide Number Placeholder 6"/>
+          <p:cNvSpPr>
+            <a:spLocks noGrp="1"/>
+          </p:cNvSpPr>
+          <p:nvPr>
+            <p:ph type="sldNum" sz="quarter" idx="5"/>
+          </p:nvPr>
+        </p:nvSpPr>
+        <p:spPr>
+          <a:xfrm>
+            <a:off x="3884613" y="8685213"/>
+            <a:ext cx="2971800" cy="457200"/>
+          </a:xfrm>
+          <a:prstGeom prst="rect">
+            <a:avLst/>
+          </a:prstGeom>
+        </p:spPr>
+        <p:txBody>
+          <a:bodyPr vert="horz" lIns="91440" tIns="45720" rIns="91440" bIns="45720" rtlCol="0" anchor="b"/>
+          <a:lstStyle>
+            <a:lvl1pPr algn="r">
+              <a:defRPr sz="1200"/>
+            </a:lvl1pPr>
+          </a:lstStyle>
+          <a:p>
+            <a:fld id="{1B8F207B-731B-42B7-955B-5E6053A5F95E}" type="slidenum">
+              <a:rPr lang="en-US" smtClean="0"/>
+              <a:t>‹#›</a:t>
+            </a:fld>
+            <a:endParaRPr lang="en-US"/>
+          </a:p>
+        </p:txBody>
+      </p:sp>
+    </p:spTree>
+    <p:extLst>
+      <p:ext uri="{BB962C8B-B14F-4D97-AF65-F5344CB8AC3E}">
+        <p14:creationId xmlns:p14="http://schemas.microsoft.com/office/powerpoint/2010/main" val="1135888177"/>
+      </p:ext>
+    </p:extLst>
+  </p:cSld>
+  <p:clrMap bg1="lt1" tx1="dk1" bg2="lt2" tx2="dk2" accent1="accent1" accent2="accent2" accent3="accent3" accent4="accent4" accent5="accent5" accent6="accent6" hlink="hlink" folHlink="folHlink"/>
+  <p:notesStyle>
+    <a:lvl1pPr marL="0" algn="l" defTabSz="914400" rtl="0" eaLnBrk="1" latinLnBrk="0" hangingPunct="1">
+      <a:defRPr sz="1200" kern="1200">
+        <a:solidFill>
+          <a:schemeClr val="tx1"/>
+        </a:solidFill>
+        <a:latin typeface="+mn-lt"/>
+        <a:ea typeface="+mn-ea"/>
+        <a:cs typeface="+mn-cs"/>
+      </a:defRPr>
+    </a:lvl1pPr>
+    <a:lvl2pPr marL="457200" algn="l" defTabSz="914400" rtl="0" eaLnBrk="1" latinLnBrk="0" hangingPunct="1">
+      <a:defRPr sz="1200" kern="1200">
+        <a:solidFill>
+          <a:schemeClr val="tx1"/>
+        </a:solidFill>
+        <a:latin typeface="+mn-lt"/>
+        <a:ea typeface="+mn-ea"/>
+        <a:cs typeface="+mn-cs"/>
+      </a:defRPr>
+    </a:lvl2pPr>
+    <a:lvl3pPr marL="914400" algn="l" defTabSz="914400" rtl="0" eaLnBrk="1" latinLnBrk="0" hangingPunct="1">
+      <a:defRPr sz="1200" kern="1200">
+        <a:solidFill>
+          <a:schemeClr val="tx1"/>
+        </a:solidFill>
+        <a:latin typeface="+mn-lt"/>
+        <a:ea typeface="+mn-ea"/>
+        <a:cs typeface="+mn-cs"/>
+      </a:defRPr>
+    </a:lvl3pPr>
+    <a:lvl4pPr marL="1371600" algn="l" defTabSz="914400" rtl="0" eaLnBrk="1" latinLnBrk="0" hangingPunct="1">
+      <a:defRPr sz="1200" kern="1200">
+        <a:solidFill>
+          <a:schemeClr val="tx1"/>
+        </a:solidFill>
+        <a:latin typeface="+mn-lt"/>
+        <a:ea typeface="+mn-ea"/>
+        <a:cs typeface="+mn-cs"/>
+      </a:defRPr>
+    </a:lvl4pPr>
+    <a:lvl5pPr marL="1828800" algn="l" defTabSz="914400" rtl="0" eaLnBrk="1" latinLnBrk="0" hangingPunct="1">
+      <a:defRPr sz="1200" kern="1200">
+        <a:solidFill>
+          <a:schemeClr val="tx1"/>
+        </a:solidFill>
+        <a:latin typeface="+mn-lt"/>
+        <a:ea typeface="+mn-ea"/>
+        <a:cs typeface="+mn-cs"/>
+      </a:defRPr>
+    </a:lvl5pPr>
+    <a:lvl6pPr marL="2286000" algn="l" defTabSz="914400" rtl="0" eaLnBrk="1" latinLnBrk="0" hangingPunct="1">
+      <a:defRPr sz="1200" kern="1200">
+        <a:solidFill>
+          <a:schemeClr val="tx1"/>
+        </a:solidFill>
+        <a:latin typeface="+mn-lt"/>
+        <a:ea typeface="+mn-ea"/>
+        <a:cs typeface="+mn-cs"/>
+      </a:defRPr>
+    </a:lvl6pPr>
+    <a:lvl7pPr marL="2743200" algn="l" defTabSz="914400" rtl="0" eaLnBrk="1" latinLnBrk="0" hangingPunct="1">
+      <a:defRPr sz="1200" kern="1200">
+        <a:solidFill>
+          <a:schemeClr val="tx1"/>
+        </a:solidFill>
+        <a:latin typeface="+mn-lt"/>
+        <a:ea typeface="+mn-ea"/>
+        <a:cs typeface="+mn-cs"/>
+      </a:defRPr>
+    </a:lvl7pPr>
+    <a:lvl8pPr marL="3200400" algn="l" defTabSz="914400" rtl="0" eaLnBrk="1" latinLnBrk="0" hangingPunct="1">
+      <a:defRPr sz="1200" kern="1200">
+        <a:solidFill>
+          <a:schemeClr val="tx1"/>
+        </a:solidFill>
+        <a:latin typeface="+mn-lt"/>
+        <a:ea typeface="+mn-ea"/>
+        <a:cs typeface="+mn-cs"/>
+      </a:defRPr>
+    </a:lvl8pPr>
+    <a:lvl9pPr marL="3657600" algn="l" defTabSz="914400" rtl="0" eaLnBrk="1" latinLnBrk="0" hangingPunct="1">
+      <a:defRPr sz="1200" kern="1200">
+        <a:solidFill>
+          <a:schemeClr val="tx1"/>
+        </a:solidFill>
+        <a:latin typeface="+mn-lt"/>
+        <a:ea typeface="+mn-ea"/>
+        <a:cs typeface="+mn-cs"/>
+      </a:defRPr>
+    </a:lvl9pPr>
+  </p:notesStyle>
+</p:notesMaster>
+</file>
+
+<file path=ppt/notesSlides/notesSlide1.xml><?xml version="1.0" encoding="utf-8"?>
+<p:notes xmlns:a="http://schemas.openxmlformats.org/drawingml/2006/main" xmlns:r="http://schemas.openxmlformats.org/officeDocument/2006/relationships" xmlns:p="http://schemas.openxmlformats.org/presentationml/2006/main">
+  <p:cSld>
+    <p:spTree>
+      <p:nvGrpSpPr>
+        <p:cNvPr id="1" name=""/>
+        <p:cNvGrpSpPr/>
+        <p:nvPr/>
+      </p:nvGrpSpPr>
+      <p:grpSpPr>
+        <a:xfrm>
+          <a:off x="0" y="0"/>
+          <a:ext cx="0" cy="0"/>
+          <a:chOff x="0" y="0"/>
+          <a:chExt cx="0" cy="0"/>
+        </a:xfrm>
+      </p:grpSpPr>
+      <p:sp>
+        <p:nvSpPr>
+          <p:cNvPr id="2" name="Slide Image Placeholder 1"/>
+          <p:cNvSpPr>
+            <a:spLocks noGrp="1" noRot="1" noChangeAspect="1"/>
+          </p:cNvSpPr>
+          <p:nvPr>
+            <p:ph type="sldImg"/>
+          </p:nvPr>
+        </p:nvSpPr>
+        <p:spPr/>
+      </p:sp>
+      <p:sp>
+        <p:nvSpPr>
+          <p:cNvPr id="3" name="Notes Placeholder 2"/>
+          <p:cNvSpPr>
+            <a:spLocks noGrp="1"/>
+          </p:cNvSpPr>
+          <p:nvPr>
+            <p:ph type="body" idx="1"/>
+          </p:nvPr>
+        </p:nvSpPr>
+        <p:spPr/>
+        <p:txBody>
+          <a:bodyPr/>
+          <a:lstStyle/>
+          <a:p>
+            <a:r>
+              <a:rPr lang="en-US" i="1" dirty="0" smtClean="0"/>
+              <a:t>Business Process Execution Language</a:t>
+            </a:r>
+            <a:endParaRPr lang="en-US" dirty="0"/>
+          </a:p>
+        </p:txBody>
+      </p:sp>
+      <p:sp>
+        <p:nvSpPr>
+          <p:cNvPr id="4" name="Slide Number Placeholder 3"/>
+          <p:cNvSpPr>
+            <a:spLocks noGrp="1"/>
+          </p:cNvSpPr>
+          <p:nvPr>
+            <p:ph type="sldNum" sz="quarter" idx="10"/>
+          </p:nvPr>
+        </p:nvSpPr>
+        <p:spPr/>
+        <p:txBody>
+          <a:bodyPr/>
+          <a:lstStyle/>
+          <a:p>
+            <a:fld id="{1B8F207B-731B-42B7-955B-5E6053A5F95E}" type="slidenum">
+              <a:rPr lang="en-US" smtClean="0"/>
+              <a:t>18</a:t>
+            </a:fld>
+            <a:endParaRPr lang="en-US"/>
+          </a:p>
+        </p:txBody>
+      </p:sp>
+    </p:spTree>
+    <p:extLst>
+      <p:ext uri="{BB962C8B-B14F-4D97-AF65-F5344CB8AC3E}">
+        <p14:creationId xmlns:p14="http://schemas.microsoft.com/office/powerpoint/2010/main" val="1396688329"/>
+      </p:ext>
+    </p:extLst>
+  </p:cSld>
+  <p:clrMapOvr>
+    <a:masterClrMapping/>
+  </p:clrMapOvr>
+</p:notes>
 </file>
 
 <file path=ppt/slideLayouts/slideLayout1.xml><?xml version="1.0" encoding="utf-8"?>
@@ -4123,123 +4566,6 @@
             <a:spLocks noGrp="1"/>
           </p:cNvSpPr>
           <p:nvPr>
-            <p:ph type="title"/>
-          </p:nvPr>
-        </p:nvSpPr>
-        <p:spPr/>
-        <p:txBody>
-          <a:bodyPr>
-            <a:normAutofit fontScale="90000"/>
-          </a:bodyPr>
-          <a:lstStyle/>
-          <a:p>
-            <a:r>
-              <a:rPr lang="id-ID" dirty="0" smtClean="0"/>
-              <a:t>Penjelasan </a:t>
-            </a:r>
-            <a:r>
-              <a:rPr lang="en-US" dirty="0" smtClean="0"/>
-              <a:t>Goal-Object-Service Diagram</a:t>
-            </a:r>
-            <a:r>
-              <a:rPr lang="id-ID" dirty="0" smtClean="0"/>
-              <a:t> </a:t>
-            </a:r>
-            <a:endParaRPr lang="id-ID" dirty="0"/>
-          </a:p>
-        </p:txBody>
-      </p:sp>
-      <p:sp>
-        <p:nvSpPr>
-          <p:cNvPr id="3" name="Content Placeholder 2"/>
-          <p:cNvSpPr>
-            <a:spLocks noGrp="1"/>
-          </p:cNvSpPr>
-          <p:nvPr>
-            <p:ph idx="1"/>
-          </p:nvPr>
-        </p:nvSpPr>
-        <p:spPr/>
-        <p:txBody>
-          <a:bodyPr>
-            <a:normAutofit/>
-          </a:bodyPr>
-          <a:lstStyle/>
-          <a:p>
-            <a:pPr>
-              <a:buNone/>
-            </a:pPr>
-            <a:r>
-              <a:rPr lang="id-ID" dirty="0" smtClean="0"/>
-              <a:t>Objektif: </a:t>
-            </a:r>
-          </a:p>
-          <a:p>
-            <a:r>
-              <a:rPr lang="sv-SE" dirty="0" smtClean="0"/>
-              <a:t>UMK dapat mencatatkan semua transaksi bisnisnya. </a:t>
-            </a:r>
-          </a:p>
-          <a:p>
-            <a:r>
-              <a:rPr lang="id-ID" dirty="0" smtClean="0"/>
-              <a:t>UMK dapat membuat sistem pembukuan yang diterima oleh Bank. </a:t>
-            </a:r>
-          </a:p>
-          <a:p>
-            <a:r>
-              <a:rPr lang="id-ID" dirty="0" smtClean="0"/>
-              <a:t>UMK dapat membuat daftar produk unggulan yang menjadi ciri khasnya. </a:t>
-            </a:r>
-          </a:p>
-          <a:p>
-            <a:r>
-              <a:rPr lang="id-ID" dirty="0" smtClean="0"/>
-              <a:t>UMK dan Bank dapat berinteraksi dalam konteks permodalan melalui KUR. </a:t>
-            </a:r>
-          </a:p>
-          <a:p>
-            <a:endParaRPr lang="id-ID" dirty="0"/>
-          </a:p>
-        </p:txBody>
-      </p:sp>
-    </p:spTree>
-    <p:extLst>
-      <p:ext uri="{BB962C8B-B14F-4D97-AF65-F5344CB8AC3E}">
-        <p14:creationId xmlns:p14="http://schemas.microsoft.com/office/powerpoint/2010/main" val="257452202"/>
-      </p:ext>
-    </p:extLst>
-  </p:cSld>
-  <p:clrMapOvr>
-    <a:masterClrMapping/>
-  </p:clrMapOvr>
-</p:sld>
-</file>
-
-<file path=ppt/slides/slide11.xml><?xml version="1.0" encoding="utf-8"?>
-<p:sld xmlns:a="http://schemas.openxmlformats.org/drawingml/2006/main" xmlns:r="http://schemas.openxmlformats.org/officeDocument/2006/relationships" xmlns:p="http://schemas.openxmlformats.org/presentationml/2006/main">
-  <p:cSld>
-    <p:spTree>
-      <p:nvGrpSpPr>
-        <p:cNvPr id="1" name=""/>
-        <p:cNvGrpSpPr/>
-        <p:nvPr/>
-      </p:nvGrpSpPr>
-      <p:grpSpPr>
-        <a:xfrm>
-          <a:off x="0" y="0"/>
-          <a:ext cx="0" cy="0"/>
-          <a:chOff x="0" y="0"/>
-          <a:chExt cx="0" cy="0"/>
-        </a:xfrm>
-      </p:grpSpPr>
-      <p:sp>
-        <p:nvSpPr>
-          <p:cNvPr id="2" name="Title 1"/>
-          <p:cNvSpPr>
-            <a:spLocks noGrp="1"/>
-          </p:cNvSpPr>
-          <p:nvPr>
             <p:ph type="ctrTitle"/>
           </p:nvPr>
         </p:nvSpPr>
@@ -4282,7 +4608,7 @@
 </p:sld>
 </file>
 
-<file path=ppt/slides/slide12.xml><?xml version="1.0" encoding="utf-8"?>
+<file path=ppt/slides/slide11.xml><?xml version="1.0" encoding="utf-8"?>
 <p:sld xmlns:a="http://schemas.openxmlformats.org/drawingml/2006/main" xmlns:r="http://schemas.openxmlformats.org/officeDocument/2006/relationships" xmlns:p="http://schemas.openxmlformats.org/presentationml/2006/main">
   <p:cSld>
     <p:spTree>
@@ -4371,7 +4697,7 @@
 </p:sld>
 </file>
 
-<file path=ppt/slides/slide13.xml><?xml version="1.0" encoding="utf-8"?>
+<file path=ppt/slides/slide12.xml><?xml version="1.0" encoding="utf-8"?>
 <p:sld xmlns:a="http://schemas.openxmlformats.org/drawingml/2006/main" xmlns:r="http://schemas.openxmlformats.org/officeDocument/2006/relationships" xmlns:p="http://schemas.openxmlformats.org/presentationml/2006/main">
   <p:cSld>
     <p:spTree>
@@ -4740,7 +5066,7 @@
 </p:sld>
 </file>
 
-<file path=ppt/slides/slide14.xml><?xml version="1.0" encoding="utf-8"?>
+<file path=ppt/slides/slide13.xml><?xml version="1.0" encoding="utf-8"?>
 <p:sld xmlns:a="http://schemas.openxmlformats.org/drawingml/2006/main" xmlns:r="http://schemas.openxmlformats.org/officeDocument/2006/relationships" xmlns:p="http://schemas.openxmlformats.org/presentationml/2006/main">
   <p:cSld>
     <p:spTree>
@@ -4827,6 +5153,356 @@
 </p:sld>
 </file>
 
+<file path=ppt/slides/slide14.xml><?xml version="1.0" encoding="utf-8"?>
+<p:sld xmlns:a="http://schemas.openxmlformats.org/drawingml/2006/main" xmlns:r="http://schemas.openxmlformats.org/officeDocument/2006/relationships" xmlns:p="http://schemas.openxmlformats.org/presentationml/2006/main">
+  <p:cSld>
+    <p:spTree>
+      <p:nvGrpSpPr>
+        <p:cNvPr id="1" name=""/>
+        <p:cNvGrpSpPr/>
+        <p:nvPr/>
+      </p:nvGrpSpPr>
+      <p:grpSpPr>
+        <a:xfrm>
+          <a:off x="0" y="0"/>
+          <a:ext cx="0" cy="0"/>
+          <a:chOff x="0" y="0"/>
+          <a:chExt cx="0" cy="0"/>
+        </a:xfrm>
+      </p:grpSpPr>
+      <p:sp>
+        <p:nvSpPr>
+          <p:cNvPr id="2" name="Title 1"/>
+          <p:cNvSpPr>
+            <a:spLocks noGrp="1"/>
+          </p:cNvSpPr>
+          <p:nvPr>
+            <p:ph type="title"/>
+          </p:nvPr>
+        </p:nvSpPr>
+        <p:spPr/>
+        <p:txBody>
+          <a:bodyPr/>
+          <a:lstStyle/>
+          <a:p>
+            <a:r>
+              <a:rPr lang="en-US" dirty="0"/>
+              <a:t>Application </a:t>
+            </a:r>
+            <a:r>
+              <a:rPr lang="en-US" dirty="0" err="1"/>
+              <a:t>Comunication</a:t>
+            </a:r>
+            <a:r>
+              <a:rPr lang="en-US" dirty="0"/>
+              <a:t> Diagram</a:t>
+            </a:r>
+          </a:p>
+        </p:txBody>
+      </p:sp>
+      <p:sp>
+        <p:nvSpPr>
+          <p:cNvPr id="3" name="Content Placeholder 2"/>
+          <p:cNvSpPr>
+            <a:spLocks noGrp="1"/>
+          </p:cNvSpPr>
+          <p:nvPr>
+            <p:ph idx="1"/>
+          </p:nvPr>
+        </p:nvSpPr>
+        <p:spPr/>
+        <p:txBody>
+          <a:bodyPr>
+            <a:normAutofit/>
+          </a:bodyPr>
+          <a:lstStyle/>
+          <a:p>
+            <a:r>
+              <a:rPr lang="en-US" dirty="0" smtClean="0"/>
+              <a:t>User </a:t>
+            </a:r>
+            <a:r>
+              <a:rPr lang="en-US" dirty="0" err="1" smtClean="0"/>
+              <a:t>dapat</a:t>
+            </a:r>
+            <a:r>
+              <a:rPr lang="en-US" dirty="0" smtClean="0"/>
+              <a:t> </a:t>
+            </a:r>
+            <a:r>
+              <a:rPr lang="en-US" dirty="0" err="1" smtClean="0"/>
+              <a:t>menggunakan</a:t>
+            </a:r>
+            <a:r>
+              <a:rPr lang="en-US" dirty="0" smtClean="0"/>
+              <a:t> </a:t>
+            </a:r>
+            <a:r>
+              <a:rPr lang="en-US" dirty="0" err="1" smtClean="0"/>
+              <a:t>aplikasi</a:t>
+            </a:r>
+            <a:r>
+              <a:rPr lang="en-US" dirty="0" smtClean="0"/>
+              <a:t> UMK </a:t>
+            </a:r>
+            <a:r>
+              <a:rPr lang="en-US" dirty="0" err="1" smtClean="0"/>
+              <a:t>untuk</a:t>
+            </a:r>
+            <a:r>
+              <a:rPr lang="en-US" dirty="0" smtClean="0"/>
+              <a:t> : </a:t>
+            </a:r>
+          </a:p>
+          <a:p>
+            <a:endParaRPr lang="en-US" dirty="0" smtClean="0"/>
+          </a:p>
+          <a:p>
+            <a:pPr lvl="1"/>
+            <a:r>
+              <a:rPr lang="en-US" dirty="0" err="1" smtClean="0"/>
+              <a:t>Membuat</a:t>
+            </a:r>
+            <a:r>
+              <a:rPr lang="en-US" dirty="0" smtClean="0"/>
+              <a:t> </a:t>
+            </a:r>
+            <a:r>
+              <a:rPr lang="en-US" dirty="0" err="1" smtClean="0"/>
+              <a:t>katalog</a:t>
+            </a:r>
+            <a:r>
+              <a:rPr lang="en-US" dirty="0" smtClean="0"/>
+              <a:t> </a:t>
+            </a:r>
+            <a:r>
+              <a:rPr lang="en-US" dirty="0" err="1" smtClean="0"/>
+              <a:t>produk</a:t>
+            </a:r>
+            <a:r>
+              <a:rPr lang="en-US" dirty="0" smtClean="0"/>
+              <a:t> </a:t>
+            </a:r>
+            <a:r>
+              <a:rPr lang="en-US" dirty="0" err="1" smtClean="0"/>
+              <a:t>usahanya</a:t>
+            </a:r>
+            <a:endParaRPr lang="en-US" dirty="0" smtClean="0"/>
+          </a:p>
+          <a:p>
+            <a:pPr lvl="1"/>
+            <a:endParaRPr lang="en-US" dirty="0" smtClean="0"/>
+          </a:p>
+          <a:p>
+            <a:pPr lvl="1"/>
+            <a:r>
+              <a:rPr lang="en-US" dirty="0" err="1" smtClean="0"/>
+              <a:t>Mencatat</a:t>
+            </a:r>
+            <a:r>
+              <a:rPr lang="en-US" dirty="0" smtClean="0"/>
+              <a:t> </a:t>
+            </a:r>
+            <a:r>
+              <a:rPr lang="en-US" dirty="0" err="1" smtClean="0"/>
+              <a:t>transaksi</a:t>
+            </a:r>
+            <a:r>
+              <a:rPr lang="en-US" dirty="0" smtClean="0"/>
+              <a:t> </a:t>
+            </a:r>
+            <a:r>
+              <a:rPr lang="en-US" dirty="0" err="1" smtClean="0"/>
+              <a:t>pembelian</a:t>
+            </a:r>
+            <a:r>
+              <a:rPr lang="en-US" dirty="0" smtClean="0"/>
+              <a:t> / </a:t>
+            </a:r>
+            <a:r>
+              <a:rPr lang="en-US" dirty="0" err="1" smtClean="0"/>
+              <a:t>penjualan</a:t>
+            </a:r>
+            <a:r>
+              <a:rPr lang="en-US" dirty="0" smtClean="0"/>
+              <a:t> </a:t>
+            </a:r>
+            <a:r>
+              <a:rPr lang="en-US" dirty="0" err="1" smtClean="0"/>
+              <a:t>produknya</a:t>
+            </a:r>
+            <a:endParaRPr lang="en-US" dirty="0" smtClean="0"/>
+          </a:p>
+          <a:p>
+            <a:pPr lvl="2"/>
+            <a:r>
+              <a:rPr lang="en-US" dirty="0" err="1" smtClean="0"/>
+              <a:t>Hasil</a:t>
+            </a:r>
+            <a:r>
+              <a:rPr lang="en-US" dirty="0" smtClean="0"/>
+              <a:t> </a:t>
+            </a:r>
+            <a:r>
+              <a:rPr lang="en-US" dirty="0" err="1" smtClean="0"/>
+              <a:t>dari</a:t>
+            </a:r>
+            <a:r>
+              <a:rPr lang="en-US" dirty="0" smtClean="0"/>
+              <a:t> </a:t>
+            </a:r>
+            <a:r>
+              <a:rPr lang="en-US" dirty="0" err="1" smtClean="0"/>
+              <a:t>catatan</a:t>
+            </a:r>
+            <a:r>
+              <a:rPr lang="en-US" dirty="0" smtClean="0"/>
+              <a:t> </a:t>
+            </a:r>
+            <a:r>
+              <a:rPr lang="en-US" dirty="0" err="1" smtClean="0"/>
+              <a:t>tersebut</a:t>
+            </a:r>
+            <a:r>
+              <a:rPr lang="en-US" dirty="0" smtClean="0"/>
+              <a:t> </a:t>
+            </a:r>
+            <a:r>
+              <a:rPr lang="en-US" dirty="0" err="1" smtClean="0"/>
+              <a:t>dapat</a:t>
+            </a:r>
+            <a:r>
+              <a:rPr lang="en-US" dirty="0" smtClean="0"/>
+              <a:t> </a:t>
+            </a:r>
+            <a:r>
+              <a:rPr lang="en-US" dirty="0" err="1" smtClean="0"/>
+              <a:t>dibuat</a:t>
+            </a:r>
+            <a:r>
+              <a:rPr lang="en-US" dirty="0" smtClean="0"/>
+              <a:t> </a:t>
+            </a:r>
+            <a:r>
+              <a:rPr lang="en-US" dirty="0" err="1" smtClean="0"/>
+              <a:t>laporan</a:t>
+            </a:r>
+            <a:r>
+              <a:rPr lang="en-US" dirty="0" smtClean="0"/>
+              <a:t> </a:t>
+            </a:r>
+            <a:r>
+              <a:rPr lang="en-US" dirty="0" err="1" smtClean="0"/>
+              <a:t>keuangan</a:t>
+            </a:r>
+            <a:r>
+              <a:rPr lang="en-US" dirty="0" smtClean="0"/>
+              <a:t> </a:t>
+            </a:r>
+            <a:r>
+              <a:rPr lang="en-US" dirty="0" err="1" smtClean="0"/>
+              <a:t>dan</a:t>
+            </a:r>
+            <a:r>
+              <a:rPr lang="en-US" dirty="0" smtClean="0"/>
+              <a:t> </a:t>
+            </a:r>
+            <a:r>
+              <a:rPr lang="en-US" dirty="0" err="1" smtClean="0"/>
+              <a:t>juga</a:t>
+            </a:r>
+            <a:r>
+              <a:rPr lang="en-US" dirty="0" smtClean="0"/>
+              <a:t> </a:t>
+            </a:r>
+            <a:r>
+              <a:rPr lang="en-US" dirty="0" err="1" smtClean="0"/>
+              <a:t>membuat</a:t>
+            </a:r>
+            <a:r>
+              <a:rPr lang="en-US" dirty="0" smtClean="0"/>
+              <a:t> </a:t>
+            </a:r>
+            <a:r>
+              <a:rPr lang="en-US" dirty="0" err="1" smtClean="0"/>
+              <a:t>daftar</a:t>
+            </a:r>
+            <a:r>
+              <a:rPr lang="en-US" dirty="0" smtClean="0"/>
+              <a:t> </a:t>
+            </a:r>
+            <a:r>
+              <a:rPr lang="en-US" dirty="0" err="1" smtClean="0"/>
+              <a:t>produk</a:t>
+            </a:r>
+            <a:r>
+              <a:rPr lang="en-US" dirty="0" smtClean="0"/>
+              <a:t> </a:t>
+            </a:r>
+            <a:r>
+              <a:rPr lang="en-US" dirty="0" err="1" smtClean="0"/>
+              <a:t>unggulan</a:t>
+            </a:r>
+            <a:r>
+              <a:rPr lang="en-US" dirty="0" smtClean="0"/>
+              <a:t> ( </a:t>
+            </a:r>
+            <a:r>
+              <a:rPr lang="en-US" dirty="0" err="1" smtClean="0"/>
+              <a:t>dari</a:t>
+            </a:r>
+            <a:r>
+              <a:rPr lang="en-US" dirty="0" smtClean="0"/>
+              <a:t> </a:t>
+            </a:r>
+            <a:r>
+              <a:rPr lang="en-US" dirty="0" err="1" smtClean="0"/>
+              <a:t>catatan</a:t>
+            </a:r>
+            <a:r>
+              <a:rPr lang="en-US" dirty="0" smtClean="0"/>
+              <a:t> </a:t>
+            </a:r>
+            <a:r>
+              <a:rPr lang="en-US" dirty="0" err="1" smtClean="0"/>
+              <a:t>transaksi</a:t>
+            </a:r>
+            <a:r>
+              <a:rPr lang="en-US" dirty="0" smtClean="0"/>
+              <a:t> </a:t>
+            </a:r>
+            <a:r>
+              <a:rPr lang="en-US" dirty="0" err="1" smtClean="0"/>
+              <a:t>penjualan</a:t>
+            </a:r>
+            <a:r>
+              <a:rPr lang="en-US" dirty="0" smtClean="0"/>
+              <a:t> ) </a:t>
+            </a:r>
+            <a:endParaRPr lang="en-US" dirty="0"/>
+          </a:p>
+        </p:txBody>
+      </p:sp>
+    </p:spTree>
+    <p:extLst>
+      <p:ext uri="{BB962C8B-B14F-4D97-AF65-F5344CB8AC3E}">
+        <p14:creationId xmlns:p14="http://schemas.microsoft.com/office/powerpoint/2010/main" val="3126803995"/>
+      </p:ext>
+    </p:extLst>
+  </p:cSld>
+  <p:clrMapOvr>
+    <a:masterClrMapping/>
+  </p:clrMapOvr>
+  <p:timing>
+    <p:tnLst>
+      <p:par>
+        <p:cTn id="1" dur="indefinite" restart="never" nodeType="tmRoot"/>
+      </p:par>
+    </p:tnLst>
+  </p:timing>
+</p:sld>
+</file>
+
 <file path=ppt/slides/slide15.xml><?xml version="1.0" encoding="utf-8"?>
 <p:sld xmlns:a="http://schemas.openxmlformats.org/drawingml/2006/main" xmlns:r="http://schemas.openxmlformats.org/officeDocument/2006/relationships" xmlns:p="http://schemas.openxmlformats.org/presentationml/2006/main">
   <p:cSld>
@@ -4846,327 +5522,50 @@
       </p:grpSpPr>
       <p:sp>
         <p:nvSpPr>
-          <p:cNvPr id="2" name="Title 1"/>
-          <p:cNvSpPr>
-            <a:spLocks noGrp="1"/>
-          </p:cNvSpPr>
-          <p:nvPr>
-            <p:ph type="title"/>
-          </p:nvPr>
-        </p:nvSpPr>
-        <p:spPr/>
+          <p:cNvPr id="4" name="Title 1"/>
+          <p:cNvSpPr>
+            <a:spLocks noGrp="1"/>
+          </p:cNvSpPr>
+          <p:nvPr>
+            <p:ph type="ctrTitle"/>
+          </p:nvPr>
+        </p:nvSpPr>
+        <p:spPr>
+          <a:xfrm>
+            <a:off x="0" y="2438400"/>
+            <a:ext cx="8458200" cy="1470025"/>
+          </a:xfrm>
+        </p:spPr>
         <p:txBody>
           <a:bodyPr/>
           <a:lstStyle/>
           <a:p>
-            <a:r>
-              <a:rPr lang="en-US" dirty="0"/>
-              <a:t>Application </a:t>
-            </a:r>
-            <a:r>
-              <a:rPr lang="en-US" dirty="0" err="1"/>
-              <a:t>Comunication</a:t>
-            </a:r>
-            <a:r>
-              <a:rPr lang="en-US" dirty="0"/>
-              <a:t> Diagram</a:t>
-            </a:r>
-          </a:p>
-        </p:txBody>
-      </p:sp>
-      <p:sp>
-        <p:nvSpPr>
-          <p:cNvPr id="3" name="Content Placeholder 2"/>
-          <p:cNvSpPr>
-            <a:spLocks noGrp="1"/>
-          </p:cNvSpPr>
-          <p:nvPr>
-            <p:ph idx="1"/>
-          </p:nvPr>
-        </p:nvSpPr>
-        <p:spPr/>
-        <p:txBody>
-          <a:bodyPr>
-            <a:normAutofit/>
-          </a:bodyPr>
-          <a:lstStyle/>
-          <a:p>
-            <a:r>
-              <a:rPr lang="en-US" dirty="0" smtClean="0"/>
-              <a:t>User </a:t>
-            </a:r>
-            <a:r>
-              <a:rPr lang="en-US" dirty="0" err="1" smtClean="0"/>
-              <a:t>dapat</a:t>
-            </a:r>
-            <a:r>
-              <a:rPr lang="en-US" dirty="0" smtClean="0"/>
-              <a:t> </a:t>
-            </a:r>
-            <a:r>
-              <a:rPr lang="en-US" dirty="0" err="1" smtClean="0"/>
-              <a:t>menggunakan</a:t>
-            </a:r>
-            <a:r>
-              <a:rPr lang="en-US" dirty="0" smtClean="0"/>
-              <a:t> </a:t>
-            </a:r>
-            <a:r>
-              <a:rPr lang="en-US" dirty="0" err="1" smtClean="0"/>
-              <a:t>aplikasi</a:t>
-            </a:r>
-            <a:r>
-              <a:rPr lang="en-US" dirty="0" smtClean="0"/>
-              <a:t> UMK </a:t>
-            </a:r>
-            <a:r>
-              <a:rPr lang="en-US" dirty="0" err="1" smtClean="0"/>
-              <a:t>untuk</a:t>
-            </a:r>
-            <a:r>
-              <a:rPr lang="en-US" dirty="0" smtClean="0"/>
-              <a:t> : </a:t>
-            </a:r>
-          </a:p>
-          <a:p>
-            <a:endParaRPr lang="en-US" dirty="0" smtClean="0"/>
-          </a:p>
-          <a:p>
-            <a:pPr lvl="1"/>
-            <a:r>
-              <a:rPr lang="en-US" dirty="0" err="1" smtClean="0"/>
-              <a:t>Membuat</a:t>
-            </a:r>
-            <a:r>
-              <a:rPr lang="en-US" dirty="0" smtClean="0"/>
-              <a:t> </a:t>
-            </a:r>
-            <a:r>
-              <a:rPr lang="en-US" dirty="0" err="1" smtClean="0"/>
-              <a:t>katalog</a:t>
-            </a:r>
-            <a:r>
-              <a:rPr lang="en-US" dirty="0" smtClean="0"/>
-              <a:t> </a:t>
-            </a:r>
-            <a:r>
-              <a:rPr lang="en-US" dirty="0" err="1" smtClean="0"/>
-              <a:t>produk</a:t>
-            </a:r>
-            <a:r>
-              <a:rPr lang="en-US" dirty="0" smtClean="0"/>
-              <a:t> </a:t>
-            </a:r>
-            <a:r>
-              <a:rPr lang="en-US" dirty="0" err="1" smtClean="0"/>
-              <a:t>usahanya</a:t>
-            </a:r>
-            <a:endParaRPr lang="en-US" dirty="0" smtClean="0"/>
-          </a:p>
-          <a:p>
-            <a:pPr lvl="1"/>
-            <a:endParaRPr lang="en-US" dirty="0" smtClean="0"/>
-          </a:p>
-          <a:p>
-            <a:pPr lvl="1"/>
-            <a:r>
-              <a:rPr lang="en-US" dirty="0" err="1" smtClean="0"/>
-              <a:t>Mencatat</a:t>
-            </a:r>
-            <a:r>
-              <a:rPr lang="en-US" dirty="0" smtClean="0"/>
-              <a:t> </a:t>
-            </a:r>
-            <a:r>
-              <a:rPr lang="en-US" dirty="0" err="1" smtClean="0"/>
-              <a:t>transaksi</a:t>
-            </a:r>
-            <a:r>
-              <a:rPr lang="en-US" dirty="0" smtClean="0"/>
-              <a:t> </a:t>
-            </a:r>
-            <a:r>
-              <a:rPr lang="en-US" dirty="0" err="1" smtClean="0"/>
-              <a:t>pembelian</a:t>
-            </a:r>
-            <a:r>
-              <a:rPr lang="en-US" dirty="0" smtClean="0"/>
-              <a:t> / </a:t>
-            </a:r>
-            <a:r>
-              <a:rPr lang="en-US" dirty="0" err="1" smtClean="0"/>
-              <a:t>penjualan</a:t>
-            </a:r>
-            <a:r>
-              <a:rPr lang="en-US" dirty="0" smtClean="0"/>
-              <a:t> </a:t>
-            </a:r>
-            <a:r>
-              <a:rPr lang="en-US" dirty="0" err="1" smtClean="0"/>
-              <a:t>produknya</a:t>
-            </a:r>
-            <a:endParaRPr lang="en-US" dirty="0" smtClean="0"/>
-          </a:p>
-          <a:p>
-            <a:pPr lvl="2"/>
-            <a:r>
-              <a:rPr lang="en-US" dirty="0" err="1" smtClean="0"/>
-              <a:t>Hasil</a:t>
-            </a:r>
-            <a:r>
-              <a:rPr lang="en-US" dirty="0" smtClean="0"/>
-              <a:t> </a:t>
-            </a:r>
-            <a:r>
-              <a:rPr lang="en-US" dirty="0" err="1" smtClean="0"/>
-              <a:t>dari</a:t>
-            </a:r>
-            <a:r>
-              <a:rPr lang="en-US" dirty="0" smtClean="0"/>
-              <a:t> </a:t>
-            </a:r>
-            <a:r>
-              <a:rPr lang="en-US" dirty="0" err="1" smtClean="0"/>
-              <a:t>catatan</a:t>
-            </a:r>
-            <a:r>
-              <a:rPr lang="en-US" dirty="0" smtClean="0"/>
-              <a:t> </a:t>
-            </a:r>
-            <a:r>
-              <a:rPr lang="en-US" dirty="0" err="1" smtClean="0"/>
-              <a:t>tersebut</a:t>
-            </a:r>
-            <a:r>
-              <a:rPr lang="en-US" dirty="0" smtClean="0"/>
-              <a:t> </a:t>
-            </a:r>
-            <a:r>
-              <a:rPr lang="en-US" dirty="0" err="1" smtClean="0"/>
-              <a:t>dapat</a:t>
-            </a:r>
-            <a:r>
-              <a:rPr lang="en-US" dirty="0" smtClean="0"/>
-              <a:t> </a:t>
-            </a:r>
-            <a:r>
-              <a:rPr lang="en-US" dirty="0" err="1" smtClean="0"/>
-              <a:t>dibuat</a:t>
-            </a:r>
-            <a:r>
-              <a:rPr lang="en-US" dirty="0" smtClean="0"/>
-              <a:t> </a:t>
-            </a:r>
-            <a:r>
-              <a:rPr lang="en-US" dirty="0" err="1" smtClean="0"/>
-              <a:t>laporan</a:t>
-            </a:r>
-            <a:r>
-              <a:rPr lang="en-US" dirty="0" smtClean="0"/>
-              <a:t> </a:t>
-            </a:r>
-            <a:r>
-              <a:rPr lang="en-US" dirty="0" err="1" smtClean="0"/>
-              <a:t>keuangan</a:t>
-            </a:r>
-            <a:r>
-              <a:rPr lang="en-US" dirty="0" smtClean="0"/>
-              <a:t> </a:t>
-            </a:r>
-            <a:r>
-              <a:rPr lang="en-US" dirty="0" err="1" smtClean="0"/>
-              <a:t>dan</a:t>
-            </a:r>
-            <a:r>
-              <a:rPr lang="en-US" dirty="0" smtClean="0"/>
-              <a:t> </a:t>
-            </a:r>
-            <a:r>
-              <a:rPr lang="en-US" dirty="0" err="1" smtClean="0"/>
-              <a:t>juga</a:t>
-            </a:r>
-            <a:r>
-              <a:rPr lang="en-US" dirty="0" smtClean="0"/>
-              <a:t> </a:t>
-            </a:r>
-            <a:r>
-              <a:rPr lang="en-US" dirty="0" err="1" smtClean="0"/>
-              <a:t>membuat</a:t>
-            </a:r>
-            <a:r>
-              <a:rPr lang="en-US" dirty="0" smtClean="0"/>
-              <a:t> </a:t>
-            </a:r>
-            <a:r>
-              <a:rPr lang="en-US" dirty="0" err="1" smtClean="0"/>
-              <a:t>daftar</a:t>
-            </a:r>
-            <a:r>
-              <a:rPr lang="en-US" dirty="0" smtClean="0"/>
-              <a:t> </a:t>
-            </a:r>
-            <a:r>
-              <a:rPr lang="en-US" dirty="0" err="1" smtClean="0"/>
-              <a:t>produk</a:t>
-            </a:r>
-            <a:r>
-              <a:rPr lang="en-US" dirty="0" smtClean="0"/>
-              <a:t> </a:t>
-            </a:r>
-            <a:r>
-              <a:rPr lang="en-US" dirty="0" err="1" smtClean="0"/>
-              <a:t>unggulan</a:t>
-            </a:r>
-            <a:r>
-              <a:rPr lang="en-US" dirty="0" smtClean="0"/>
-              <a:t> ( </a:t>
-            </a:r>
-            <a:r>
-              <a:rPr lang="en-US" dirty="0" err="1" smtClean="0"/>
-              <a:t>dari</a:t>
-            </a:r>
-            <a:r>
-              <a:rPr lang="en-US" dirty="0" smtClean="0"/>
-              <a:t> </a:t>
-            </a:r>
-            <a:r>
-              <a:rPr lang="en-US" dirty="0" err="1" smtClean="0"/>
-              <a:t>catatan</a:t>
-            </a:r>
-            <a:r>
-              <a:rPr lang="en-US" dirty="0" smtClean="0"/>
-              <a:t> </a:t>
-            </a:r>
-            <a:r>
-              <a:rPr lang="en-US" dirty="0" err="1" smtClean="0"/>
-              <a:t>transaksi</a:t>
-            </a:r>
-            <a:r>
-              <a:rPr lang="en-US" dirty="0" smtClean="0"/>
-              <a:t> </a:t>
-            </a:r>
-            <a:r>
-              <a:rPr lang="en-US" dirty="0" err="1" smtClean="0"/>
-              <a:t>penjualan</a:t>
-            </a:r>
-            <a:r>
-              <a:rPr lang="en-US" dirty="0" smtClean="0"/>
-              <a:t> ) </a:t>
-            </a:r>
-            <a:endParaRPr lang="en-US" dirty="0"/>
+            <a:pPr algn="ctr"/>
+            <a:r>
+              <a:rPr lang="en-US" sz="6000" dirty="0" smtClean="0"/>
+              <a:t>Technology Architecture</a:t>
+            </a:r>
+            <a:endParaRPr lang="id-ID" sz="6000" dirty="0"/>
           </a:p>
         </p:txBody>
       </p:sp>
     </p:spTree>
     <p:extLst>
       <p:ext uri="{BB962C8B-B14F-4D97-AF65-F5344CB8AC3E}">
-        <p14:creationId xmlns:p14="http://schemas.microsoft.com/office/powerpoint/2010/main" val="3126803995"/>
+        <p14:creationId xmlns:p14="http://schemas.microsoft.com/office/powerpoint/2010/main" val="3225482717"/>
       </p:ext>
     </p:extLst>
   </p:cSld>
   <p:clrMapOvr>
     <a:masterClrMapping/>
   </p:clrMapOvr>
+  <p:timing>
+    <p:tnLst>
+      <p:par>
+        <p:cTn id="1" dur="indefinite" restart="never" nodeType="tmRoot"/>
+      </p:par>
+    </p:tnLst>
+  </p:timing>
 </p:sld>
 </file>
 
@@ -5187,6 +5586,47 @@
           <a:chExt cx="0" cy="0"/>
         </a:xfrm>
       </p:grpSpPr>
+      <p:pic>
+        <p:nvPicPr>
+          <p:cNvPr id="1026" name="Picture 2" descr="C:\Users\Admin\Desktop\Environments and Locations Diagram.png"/>
+          <p:cNvPicPr>
+            <a:picLocks noChangeAspect="1" noChangeArrowheads="1"/>
+          </p:cNvPicPr>
+          <p:nvPr/>
+        </p:nvPicPr>
+        <p:blipFill>
+          <a:blip r:embed="rId2">
+            <a:extLst>
+              <a:ext uri="{28A0092B-C50C-407E-A947-70E740481C1C}">
+                <a14:useLocalDpi xmlns:a14="http://schemas.microsoft.com/office/drawing/2010/main" val="0"/>
+              </a:ext>
+            </a:extLst>
+          </a:blip>
+          <a:srcRect/>
+          <a:stretch>
+            <a:fillRect/>
+          </a:stretch>
+        </p:blipFill>
+        <p:spPr bwMode="auto">
+          <a:xfrm>
+            <a:off x="1447800" y="1011072"/>
+            <a:ext cx="5943600" cy="6034515"/>
+          </a:xfrm>
+          <a:prstGeom prst="rect">
+            <a:avLst/>
+          </a:prstGeom>
+          <a:noFill/>
+          <a:extLst>
+            <a:ext uri="{909E8E84-426E-40DD-AFC4-6F175D3DCCD1}">
+              <a14:hiddenFill xmlns:a14="http://schemas.microsoft.com/office/drawing/2010/main">
+                <a:solidFill>
+                  <a:srgbClr val="FFFFFF"/>
+                </a:solidFill>
+              </a14:hiddenFill>
+            </a:ext>
+          </a:extLst>
+        </p:spPr>
+      </p:pic>
       <p:sp>
         <p:nvSpPr>
           <p:cNvPr id="4" name="Title 1"/>
@@ -5194,32 +5634,31 @@
             <a:spLocks noGrp="1"/>
           </p:cNvSpPr>
           <p:nvPr>
-            <p:ph type="ctrTitle"/>
+            <p:ph type="title"/>
           </p:nvPr>
         </p:nvSpPr>
         <p:spPr>
           <a:xfrm>
-            <a:off x="0" y="2438400"/>
-            <a:ext cx="8458200" cy="1470025"/>
+            <a:off x="0" y="76200"/>
+            <a:ext cx="8458200" cy="1143000"/>
           </a:xfrm>
         </p:spPr>
         <p:txBody>
           <a:bodyPr/>
           <a:lstStyle/>
           <a:p>
-            <a:pPr algn="ctr"/>
-            <a:r>
-              <a:rPr lang="en-US" sz="6000" dirty="0" smtClean="0"/>
-              <a:t>Technology Architecture</a:t>
-            </a:r>
-            <a:endParaRPr lang="id-ID" sz="6000" dirty="0"/>
+            <a:r>
+              <a:rPr lang="en-US" sz="4000" dirty="0" smtClean="0"/>
+              <a:t>Environments and Locations Diagram</a:t>
+            </a:r>
+            <a:endParaRPr lang="en-US" sz="4000" dirty="0"/>
           </a:p>
         </p:txBody>
       </p:sp>
     </p:spTree>
     <p:extLst>
       <p:ext uri="{BB962C8B-B14F-4D97-AF65-F5344CB8AC3E}">
-        <p14:creationId xmlns:p14="http://schemas.microsoft.com/office/powerpoint/2010/main" val="3225482717"/>
+        <p14:creationId xmlns:p14="http://schemas.microsoft.com/office/powerpoint/2010/main" val="822343472"/>
       </p:ext>
     </p:extLst>
   </p:cSld>
@@ -5255,6 +5694,35 @@
       </p:grpSpPr>
       <p:sp>
         <p:nvSpPr>
+          <p:cNvPr id="2" name="Title 1"/>
+          <p:cNvSpPr>
+            <a:spLocks noGrp="1"/>
+          </p:cNvSpPr>
+          <p:nvPr>
+            <p:ph type="title"/>
+          </p:nvPr>
+        </p:nvSpPr>
+        <p:spPr/>
+        <p:txBody>
+          <a:bodyPr>
+            <a:normAutofit fontScale="90000"/>
+          </a:bodyPr>
+          <a:lstStyle/>
+          <a:p>
+            <a:r>
+              <a:rPr lang="id-ID" dirty="0"/>
+              <a:t>Environments and Locations </a:t>
+            </a:r>
+            <a:r>
+              <a:rPr lang="id-ID" dirty="0" smtClean="0"/>
+              <a:t>Diagram</a:t>
+            </a:r>
+            <a:endParaRPr lang="en-GB" dirty="0"/>
+          </a:p>
+        </p:txBody>
+      </p:sp>
+      <p:sp>
+        <p:nvSpPr>
           <p:cNvPr id="3" name="Content Placeholder 2"/>
           <p:cNvSpPr>
             <a:spLocks noGrp="1"/>
@@ -5263,73 +5731,113 @@
             <p:ph idx="1"/>
           </p:nvPr>
         </p:nvSpPr>
-        <p:spPr>
-          <a:xfrm>
-            <a:off x="609600" y="533400"/>
-            <a:ext cx="7886700" cy="501183"/>
-          </a:xfrm>
-        </p:spPr>
-        <p:txBody>
-          <a:bodyPr>
-            <a:normAutofit/>
-          </a:bodyPr>
-          <a:lstStyle/>
-          <a:p>
-            <a:r>
-              <a:rPr lang="id-ID" dirty="0"/>
-              <a:t>Environments and Locations Diagram</a:t>
-            </a:r>
-          </a:p>
-          <a:p>
-            <a:endParaRPr lang="id-ID" dirty="0"/>
-          </a:p>
-        </p:txBody>
-      </p:sp>
-      <p:pic>
-        <p:nvPicPr>
-          <p:cNvPr id="1026" name="Picture 2" descr="C:\Users\Admin\Desktop\Environments and Locations Diagram.png"/>
-          <p:cNvPicPr>
-            <a:picLocks noChangeAspect="1" noChangeArrowheads="1"/>
-          </p:cNvPicPr>
-          <p:nvPr/>
-        </p:nvPicPr>
-        <p:blipFill>
-          <a:blip r:embed="rId2">
-            <a:extLst>
-              <a:ext uri="{28A0092B-C50C-407E-A947-70E740481C1C}">
-                <a14:useLocalDpi xmlns:a14="http://schemas.microsoft.com/office/drawing/2010/main" val="0"/>
-              </a:ext>
-            </a:extLst>
-          </a:blip>
-          <a:srcRect/>
-          <a:stretch>
-            <a:fillRect/>
-          </a:stretch>
-        </p:blipFill>
-        <p:spPr bwMode="auto">
-          <a:xfrm>
-            <a:off x="1447800" y="1011073"/>
-            <a:ext cx="5758839" cy="5846928"/>
-          </a:xfrm>
-          <a:prstGeom prst="rect">
-            <a:avLst/>
-          </a:prstGeom>
-          <a:noFill/>
-          <a:extLst>
-            <a:ext uri="{909E8E84-426E-40DD-AFC4-6F175D3DCCD1}">
-              <a14:hiddenFill xmlns:a14="http://schemas.microsoft.com/office/drawing/2010/main">
-                <a:solidFill>
-                  <a:srgbClr val="FFFFFF"/>
-                </a:solidFill>
-              </a14:hiddenFill>
-            </a:ext>
-          </a:extLst>
-        </p:spPr>
-      </p:pic>
+        <p:spPr/>
+        <p:txBody>
+          <a:bodyPr/>
+          <a:lstStyle/>
+          <a:p>
+            <a:r>
+              <a:rPr lang="en-US" dirty="0" smtClean="0"/>
+              <a:t>Di Indonesia, UMK</a:t>
+            </a:r>
+            <a:r>
+              <a:rPr lang="en-GB" dirty="0" smtClean="0"/>
+              <a:t> </a:t>
+            </a:r>
+            <a:r>
+              <a:rPr lang="en-US" dirty="0" err="1" smtClean="0"/>
+              <a:t>menggunakan</a:t>
+            </a:r>
+            <a:r>
+              <a:rPr lang="en-US" dirty="0" smtClean="0"/>
+              <a:t> mobile server.</a:t>
+            </a:r>
+          </a:p>
+          <a:p>
+            <a:r>
+              <a:rPr lang="en-US" dirty="0" err="1" smtClean="0"/>
+              <a:t>Terdapat</a:t>
+            </a:r>
+            <a:r>
+              <a:rPr lang="en-US" dirty="0" smtClean="0"/>
+              <a:t> 3 work stations </a:t>
+            </a:r>
+            <a:r>
+              <a:rPr lang="en-US" dirty="0" err="1" smtClean="0"/>
+              <a:t>khusus</a:t>
+            </a:r>
+            <a:r>
+              <a:rPr lang="en-US" dirty="0" smtClean="0"/>
+              <a:t>, </a:t>
+            </a:r>
+            <a:r>
+              <a:rPr lang="en-US" dirty="0" err="1" smtClean="0"/>
+              <a:t>yaitu</a:t>
+            </a:r>
+            <a:r>
+              <a:rPr lang="en-US" dirty="0" smtClean="0"/>
+              <a:t> di Jakarta, Bandung, </a:t>
+            </a:r>
+            <a:r>
+              <a:rPr lang="en-US" dirty="0" err="1" smtClean="0"/>
+              <a:t>dan</a:t>
+            </a:r>
+            <a:r>
+              <a:rPr lang="en-US" dirty="0" smtClean="0"/>
+              <a:t> Surabaya</a:t>
+            </a:r>
+          </a:p>
+          <a:p>
+            <a:r>
+              <a:rPr lang="en-US" dirty="0" err="1" smtClean="0"/>
+              <a:t>Aplikasi</a:t>
+            </a:r>
+            <a:r>
+              <a:rPr lang="en-US" dirty="0" smtClean="0"/>
+              <a:t> UMK </a:t>
+            </a:r>
+            <a:r>
+              <a:rPr lang="en-US" dirty="0" err="1" smtClean="0"/>
+              <a:t>berupa</a:t>
+            </a:r>
+            <a:r>
+              <a:rPr lang="en-US" dirty="0" smtClean="0"/>
+              <a:t> </a:t>
+            </a:r>
+            <a:r>
+              <a:rPr lang="en-US" dirty="0" err="1" smtClean="0"/>
+              <a:t>GoogleApps</a:t>
+            </a:r>
+            <a:r>
+              <a:rPr lang="en-US" dirty="0" smtClean="0"/>
+              <a:t> </a:t>
+            </a:r>
+            <a:r>
+              <a:rPr lang="en-US" dirty="0" err="1" smtClean="0"/>
+              <a:t>dan</a:t>
+            </a:r>
+            <a:r>
+              <a:rPr lang="en-US" dirty="0" smtClean="0"/>
+              <a:t> </a:t>
+            </a:r>
+            <a:r>
+              <a:rPr lang="en-US" dirty="0" err="1" smtClean="0"/>
+              <a:t>UMKOnline</a:t>
+            </a:r>
+            <a:r>
+              <a:rPr lang="en-US" dirty="0" smtClean="0"/>
+              <a:t> </a:t>
+            </a:r>
+          </a:p>
+          <a:p>
+            <a:endParaRPr lang="en-GB" dirty="0"/>
+          </a:p>
+        </p:txBody>
+      </p:sp>
     </p:spTree>
     <p:extLst>
       <p:ext uri="{BB962C8B-B14F-4D97-AF65-F5344CB8AC3E}">
-        <p14:creationId xmlns:p14="http://schemas.microsoft.com/office/powerpoint/2010/main" val="133286010"/>
+        <p14:creationId xmlns:p14="http://schemas.microsoft.com/office/powerpoint/2010/main" val="3214045802"/>
       </p:ext>
     </p:extLst>
   </p:cSld>
@@ -5375,24 +5883,27 @@
         </p:nvSpPr>
         <p:spPr>
           <a:xfrm>
-            <a:off x="0" y="457200"/>
-            <a:ext cx="8458200" cy="685800"/>
+            <a:off x="457200" y="381000"/>
+            <a:ext cx="8229600" cy="1143000"/>
           </a:xfrm>
         </p:spPr>
         <p:txBody>
           <a:bodyPr>
-            <a:normAutofit/>
+            <a:normAutofit fontScale="90000"/>
           </a:bodyPr>
           <a:lstStyle/>
           <a:p>
             <a:r>
-              <a:rPr lang="en-US" sz="3600" dirty="0"/>
-              <a:t>Network Computing and Hardware </a:t>
-            </a:r>
-            <a:r>
-              <a:rPr lang="en-US" sz="3600" dirty="0" smtClean="0"/>
-              <a:t>Diagram</a:t>
-            </a:r>
+              <a:rPr lang="en-US" dirty="0"/>
+              <a:t>Network Computing and Hardware Diagram</a:t>
+            </a:r>
+            <a:r>
+              <a:rPr lang="id-ID" dirty="0"/>
+              <a:t/>
+            </a:r>
+            <a:br>
+              <a:rPr lang="id-ID" dirty="0"/>
+            </a:br>
             <a:endParaRPr lang="en-US" dirty="0"/>
           </a:p>
         </p:txBody>
@@ -5408,7 +5919,7 @@
           </p:nvPr>
         </p:nvPicPr>
         <p:blipFill>
-          <a:blip r:embed="rId2">
+          <a:blip r:embed="rId3">
             <a:extLst>
               <a:ext uri="{28A0092B-C50C-407E-A947-70E740481C1C}">
                 <a14:useLocalDpi xmlns:a14="http://schemas.microsoft.com/office/drawing/2010/main" val="0"/>
@@ -5422,8 +5933,8 @@
         </p:blipFill>
         <p:spPr bwMode="auto">
           <a:xfrm>
-            <a:off x="0" y="1423083"/>
-            <a:ext cx="8458200" cy="5434917"/>
+            <a:off x="-228600" y="1363445"/>
+            <a:ext cx="8686800" cy="5581807"/>
           </a:xfrm>
           <a:prstGeom prst="rect">
             <a:avLst/>
@@ -5443,17 +5954,355 @@
     </p:spTree>
     <p:extLst>
       <p:ext uri="{BB962C8B-B14F-4D97-AF65-F5344CB8AC3E}">
-        <p14:creationId xmlns:p14="http://schemas.microsoft.com/office/powerpoint/2010/main" val="1126183732"/>
+        <p14:creationId xmlns:p14="http://schemas.microsoft.com/office/powerpoint/2010/main" val="20362777"/>
       </p:ext>
     </p:extLst>
   </p:cSld>
   <p:clrMapOvr>
     <a:masterClrMapping/>
   </p:clrMapOvr>
+  <p:timing>
+    <p:tnLst>
+      <p:par>
+        <p:cTn id="1" dur="indefinite" restart="never" nodeType="tmRoot"/>
+      </p:par>
+    </p:tnLst>
+  </p:timing>
 </p:sld>
 </file>
 
 <file path=ppt/slides/slide19.xml><?xml version="1.0" encoding="utf-8"?>
+<p:sld xmlns:a="http://schemas.openxmlformats.org/drawingml/2006/main" xmlns:r="http://schemas.openxmlformats.org/officeDocument/2006/relationships" xmlns:p="http://schemas.openxmlformats.org/presentationml/2006/main">
+  <p:cSld>
+    <p:spTree>
+      <p:nvGrpSpPr>
+        <p:cNvPr id="1" name=""/>
+        <p:cNvGrpSpPr/>
+        <p:nvPr/>
+      </p:nvGrpSpPr>
+      <p:grpSpPr>
+        <a:xfrm>
+          <a:off x="0" y="0"/>
+          <a:ext cx="0" cy="0"/>
+          <a:chOff x="0" y="0"/>
+          <a:chExt cx="0" cy="0"/>
+        </a:xfrm>
+      </p:grpSpPr>
+      <p:sp>
+        <p:nvSpPr>
+          <p:cNvPr id="2" name="Title 1"/>
+          <p:cNvSpPr>
+            <a:spLocks noGrp="1"/>
+          </p:cNvSpPr>
+          <p:nvPr>
+            <p:ph type="title"/>
+          </p:nvPr>
+        </p:nvSpPr>
+        <p:spPr/>
+        <p:txBody>
+          <a:bodyPr>
+            <a:normAutofit fontScale="90000"/>
+          </a:bodyPr>
+          <a:lstStyle/>
+          <a:p>
+            <a:r>
+              <a:rPr lang="en-US" dirty="0"/>
+              <a:t>Network Computing and Hardware </a:t>
+            </a:r>
+            <a:r>
+              <a:rPr lang="en-US" dirty="0" smtClean="0"/>
+              <a:t>Diagram</a:t>
+            </a:r>
+            <a:endParaRPr lang="en-GB" dirty="0"/>
+          </a:p>
+        </p:txBody>
+      </p:sp>
+      <p:sp>
+        <p:nvSpPr>
+          <p:cNvPr id="3" name="Content Placeholder 2"/>
+          <p:cNvSpPr>
+            <a:spLocks noGrp="1"/>
+          </p:cNvSpPr>
+          <p:nvPr>
+            <p:ph idx="1"/>
+          </p:nvPr>
+        </p:nvSpPr>
+        <p:spPr/>
+        <p:txBody>
+          <a:bodyPr/>
+          <a:lstStyle/>
+          <a:p>
+            <a:r>
+              <a:rPr lang="en-US" dirty="0" smtClean="0"/>
+              <a:t>UMK online </a:t>
+            </a:r>
+            <a:r>
+              <a:rPr lang="en-US" dirty="0" err="1" smtClean="0"/>
+              <a:t>dapat</a:t>
+            </a:r>
+            <a:r>
+              <a:rPr lang="en-US" dirty="0" smtClean="0"/>
+              <a:t> </a:t>
+            </a:r>
+            <a:r>
+              <a:rPr lang="en-US" dirty="0" err="1" smtClean="0"/>
+              <a:t>diakses</a:t>
+            </a:r>
+            <a:r>
+              <a:rPr lang="en-US" dirty="0" smtClean="0"/>
+              <a:t> </a:t>
+            </a:r>
+            <a:r>
+              <a:rPr lang="en-US" dirty="0" err="1" smtClean="0"/>
+              <a:t>menggunakan</a:t>
+            </a:r>
+            <a:r>
+              <a:rPr lang="en-US" dirty="0" smtClean="0"/>
+              <a:t> </a:t>
+            </a:r>
+            <a:r>
+              <a:rPr lang="en-US" dirty="0" err="1" smtClean="0"/>
+              <a:t>mobil</a:t>
+            </a:r>
+            <a:r>
+              <a:rPr lang="en-US" dirty="0" smtClean="0"/>
+              <a:t> application.</a:t>
+            </a:r>
+          </a:p>
+          <a:p>
+            <a:r>
+              <a:rPr lang="en-US" dirty="0" err="1" smtClean="0"/>
+              <a:t>Aplikasi</a:t>
+            </a:r>
+            <a:r>
+              <a:rPr lang="en-US" dirty="0" smtClean="0"/>
+              <a:t> </a:t>
+            </a:r>
+            <a:r>
+              <a:rPr lang="en-US" dirty="0" err="1" smtClean="0"/>
+              <a:t>ini</a:t>
+            </a:r>
+            <a:r>
+              <a:rPr lang="en-US" dirty="0" smtClean="0"/>
+              <a:t> </a:t>
+            </a:r>
+            <a:r>
+              <a:rPr lang="en-US" dirty="0" err="1" smtClean="0"/>
+              <a:t>digunakan</a:t>
+            </a:r>
+            <a:r>
+              <a:rPr lang="en-US" dirty="0" smtClean="0"/>
+              <a:t> </a:t>
+            </a:r>
+            <a:r>
+              <a:rPr lang="en-US" dirty="0" err="1" smtClean="0"/>
+              <a:t>oleh</a:t>
+            </a:r>
+            <a:r>
+              <a:rPr lang="en-US" dirty="0" smtClean="0"/>
+              <a:t> UMK </a:t>
+            </a:r>
+            <a:r>
+              <a:rPr lang="en-US" dirty="0" err="1" smtClean="0"/>
+              <a:t>dan</a:t>
+            </a:r>
+            <a:r>
+              <a:rPr lang="en-US" dirty="0" smtClean="0"/>
+              <a:t> administrator.</a:t>
+            </a:r>
+          </a:p>
+          <a:p>
+            <a:r>
+              <a:rPr lang="en-US" dirty="0" err="1" smtClean="0"/>
+              <a:t>Aplikasi</a:t>
+            </a:r>
+            <a:r>
+              <a:rPr lang="en-US" dirty="0" smtClean="0"/>
+              <a:t> </a:t>
+            </a:r>
+            <a:r>
+              <a:rPr lang="en-US" dirty="0" err="1" smtClean="0"/>
+              <a:t>ini</a:t>
+            </a:r>
+            <a:r>
+              <a:rPr lang="en-US" dirty="0" smtClean="0"/>
+              <a:t> </a:t>
+            </a:r>
+            <a:r>
+              <a:rPr lang="en-US" dirty="0" err="1" smtClean="0"/>
+              <a:t>dilengkapi</a:t>
+            </a:r>
+            <a:r>
+              <a:rPr lang="en-US" dirty="0" smtClean="0"/>
+              <a:t> </a:t>
+            </a:r>
+            <a:r>
+              <a:rPr lang="en-US" dirty="0" err="1" smtClean="0"/>
+              <a:t>fitur-fitur</a:t>
+            </a:r>
+            <a:r>
+              <a:rPr lang="en-US" dirty="0" smtClean="0"/>
+              <a:t> </a:t>
+            </a:r>
+            <a:r>
+              <a:rPr lang="en-US" dirty="0" err="1" smtClean="0"/>
+              <a:t>untuk</a:t>
+            </a:r>
+            <a:r>
+              <a:rPr lang="en-US" dirty="0" smtClean="0"/>
+              <a:t> profile UMK </a:t>
+            </a:r>
+            <a:r>
+              <a:rPr lang="en-US" dirty="0" err="1" smtClean="0"/>
+              <a:t>dan</a:t>
+            </a:r>
+            <a:r>
+              <a:rPr lang="en-US" dirty="0" smtClean="0"/>
+              <a:t> </a:t>
+            </a:r>
+            <a:r>
+              <a:rPr lang="en-US" dirty="0" err="1" smtClean="0"/>
+              <a:t>katalog</a:t>
+            </a:r>
+            <a:r>
+              <a:rPr lang="en-US" dirty="0" smtClean="0"/>
+              <a:t> UMK </a:t>
+            </a:r>
+            <a:r>
+              <a:rPr lang="en-US" dirty="0" err="1" smtClean="0"/>
+              <a:t>sehingga</a:t>
+            </a:r>
+            <a:r>
+              <a:rPr lang="en-US" dirty="0" smtClean="0"/>
+              <a:t> </a:t>
+            </a:r>
+            <a:r>
+              <a:rPr lang="en-US" dirty="0" err="1" smtClean="0"/>
+              <a:t>dapat</a:t>
+            </a:r>
+            <a:r>
+              <a:rPr lang="en-US" dirty="0" smtClean="0"/>
+              <a:t> </a:t>
+            </a:r>
+            <a:r>
+              <a:rPr lang="en-US" dirty="0" err="1" smtClean="0"/>
+              <a:t>diakses</a:t>
+            </a:r>
+            <a:r>
+              <a:rPr lang="en-US" dirty="0" smtClean="0"/>
+              <a:t> </a:t>
+            </a:r>
+            <a:r>
+              <a:rPr lang="en-US" dirty="0" err="1" smtClean="0"/>
+              <a:t>oleh</a:t>
+            </a:r>
+            <a:r>
+              <a:rPr lang="en-US" dirty="0" smtClean="0"/>
+              <a:t> administrator </a:t>
+            </a:r>
+            <a:r>
+              <a:rPr lang="en-US" dirty="0" err="1" smtClean="0"/>
+              <a:t>melalui</a:t>
+            </a:r>
+            <a:r>
+              <a:rPr lang="en-US" dirty="0" smtClean="0"/>
+              <a:t> Windows Server.</a:t>
+            </a:r>
+            <a:endParaRPr lang="en-GB" dirty="0"/>
+          </a:p>
+        </p:txBody>
+      </p:sp>
+    </p:spTree>
+    <p:extLst>
+      <p:ext uri="{BB962C8B-B14F-4D97-AF65-F5344CB8AC3E}">
+        <p14:creationId xmlns:p14="http://schemas.microsoft.com/office/powerpoint/2010/main" val="838800601"/>
+      </p:ext>
+    </p:extLst>
+  </p:cSld>
+  <p:clrMapOvr>
+    <a:masterClrMapping/>
+  </p:clrMapOvr>
+  <p:timing>
+    <p:tnLst>
+      <p:par>
+        <p:cTn id="1" dur="indefinite" restart="never" nodeType="tmRoot"/>
+      </p:par>
+    </p:tnLst>
+  </p:timing>
+</p:sld>
+</file>
+
+<file path=ppt/slides/slide2.xml><?xml version="1.0" encoding="utf-8"?>
+<p:sld xmlns:a="http://schemas.openxmlformats.org/drawingml/2006/main" xmlns:r="http://schemas.openxmlformats.org/officeDocument/2006/relationships" xmlns:p="http://schemas.openxmlformats.org/presentationml/2006/main">
+  <p:cSld>
+    <p:spTree>
+      <p:nvGrpSpPr>
+        <p:cNvPr id="1" name=""/>
+        <p:cNvGrpSpPr/>
+        <p:nvPr/>
+      </p:nvGrpSpPr>
+      <p:grpSpPr>
+        <a:xfrm>
+          <a:off x="0" y="0"/>
+          <a:ext cx="0" cy="0"/>
+          <a:chOff x="0" y="0"/>
+          <a:chExt cx="0" cy="0"/>
+        </a:xfrm>
+      </p:grpSpPr>
+      <p:sp>
+        <p:nvSpPr>
+          <p:cNvPr id="4" name="Title 3"/>
+          <p:cNvSpPr>
+            <a:spLocks noGrp="1"/>
+          </p:cNvSpPr>
+          <p:nvPr>
+            <p:ph type="title"/>
+          </p:nvPr>
+        </p:nvSpPr>
+        <p:spPr>
+          <a:xfrm>
+            <a:off x="-2276" y="2979761"/>
+            <a:ext cx="8446827" cy="1143000"/>
+          </a:xfrm>
+        </p:spPr>
+        <p:txBody>
+          <a:bodyPr/>
+          <a:lstStyle/>
+          <a:p>
+            <a:pPr algn="ctr"/>
+            <a:r>
+              <a:rPr lang="en-US" sz="4800" dirty="0"/>
+              <a:t>Architecture </a:t>
+            </a:r>
+            <a:r>
+              <a:rPr lang="en-US" sz="4800" dirty="0" smtClean="0"/>
+              <a:t>Vision</a:t>
+            </a:r>
+            <a:endParaRPr lang="en-US" dirty="0"/>
+          </a:p>
+        </p:txBody>
+      </p:sp>
+    </p:spTree>
+    <p:extLst>
+      <p:ext uri="{BB962C8B-B14F-4D97-AF65-F5344CB8AC3E}">
+        <p14:creationId xmlns:p14="http://schemas.microsoft.com/office/powerpoint/2010/main" val="2127338812"/>
+      </p:ext>
+    </p:extLst>
+  </p:cSld>
+  <p:clrMapOvr>
+    <a:masterClrMapping/>
+  </p:clrMapOvr>
+  <p:timing>
+    <p:tnLst>
+      <p:par>
+        <p:cTn id="1" dur="indefinite" restart="never" nodeType="tmRoot"/>
+      </p:par>
+    </p:tnLst>
+  </p:timing>
+</p:sld>
+</file>
+
+<file path=ppt/slides/slide20.xml><?xml version="1.0" encoding="utf-8"?>
 <p:sld xmlns:a="http://schemas.openxmlformats.org/drawingml/2006/main" xmlns:r="http://schemas.openxmlformats.org/officeDocument/2006/relationships" xmlns:p="http://schemas.openxmlformats.org/presentationml/2006/main">
   <p:cSld>
     <p:spTree>
@@ -5495,8 +6344,8 @@
         </p:blipFill>
         <p:spPr bwMode="auto">
           <a:xfrm>
-            <a:off x="2514600" y="304800"/>
-            <a:ext cx="5803936" cy="6344607"/>
+            <a:off x="2209800" y="27525"/>
+            <a:ext cx="6248400" cy="6830475"/>
           </a:xfrm>
           <a:prstGeom prst="rect">
             <a:avLst/>
@@ -5525,7 +6374,7 @@
         </p:nvSpPr>
         <p:spPr>
           <a:xfrm>
-            <a:off x="76200" y="76200"/>
+            <a:off x="0" y="152400"/>
             <a:ext cx="8229600" cy="1143000"/>
           </a:xfrm>
         </p:spPr>
@@ -5550,17 +6399,24 @@
     </p:spTree>
     <p:extLst>
       <p:ext uri="{BB962C8B-B14F-4D97-AF65-F5344CB8AC3E}">
-        <p14:creationId xmlns:p14="http://schemas.microsoft.com/office/powerpoint/2010/main" val="2163746100"/>
+        <p14:creationId xmlns:p14="http://schemas.microsoft.com/office/powerpoint/2010/main" val="2855268073"/>
       </p:ext>
     </p:extLst>
   </p:cSld>
   <p:clrMapOvr>
     <a:masterClrMapping/>
   </p:clrMapOvr>
+  <p:timing>
+    <p:tnLst>
+      <p:par>
+        <p:cTn id="1" dur="indefinite" restart="never" nodeType="tmRoot"/>
+      </p:par>
+    </p:tnLst>
+  </p:timing>
 </p:sld>
 </file>
 
-<file path=ppt/slides/slide2.xml><?xml version="1.0" encoding="utf-8"?>
+<file path=ppt/slides/slide21.xml><?xml version="1.0" encoding="utf-8"?>
 <p:sld xmlns:a="http://schemas.openxmlformats.org/drawingml/2006/main" xmlns:r="http://schemas.openxmlformats.org/officeDocument/2006/relationships" xmlns:p="http://schemas.openxmlformats.org/presentationml/2006/main">
   <p:cSld>
     <p:spTree>
@@ -5579,7 +6435,7 @@
       </p:grpSpPr>
       <p:sp>
         <p:nvSpPr>
-          <p:cNvPr id="4" name="Title 3"/>
+          <p:cNvPr id="2" name="Title 1"/>
           <p:cNvSpPr>
             <a:spLocks noGrp="1"/>
           </p:cNvSpPr>
@@ -5587,39 +6443,256 @@
             <p:ph type="title"/>
           </p:nvPr>
         </p:nvSpPr>
-        <p:spPr>
-          <a:xfrm>
-            <a:off x="-2276" y="2979761"/>
-            <a:ext cx="8446827" cy="1143000"/>
-          </a:xfrm>
-        </p:spPr>
+        <p:spPr/>
         <p:txBody>
           <a:bodyPr/>
           <a:lstStyle/>
           <a:p>
-            <a:pPr algn="ctr"/>
-            <a:r>
-              <a:rPr lang="en-US" sz="4800" dirty="0"/>
-              <a:t>Architecture </a:t>
-            </a:r>
-            <a:r>
-              <a:rPr lang="en-US" sz="4800" dirty="0" smtClean="0"/>
-              <a:t>Vision</a:t>
-            </a:r>
-            <a:endParaRPr lang="en-US" dirty="0"/>
+            <a:r>
+              <a:rPr lang="en-US" dirty="0"/>
+              <a:t>Processing Diagram</a:t>
+            </a:r>
+            <a:endParaRPr lang="en-GB" dirty="0"/>
+          </a:p>
+        </p:txBody>
+      </p:sp>
+      <p:sp>
+        <p:nvSpPr>
+          <p:cNvPr id="3" name="Content Placeholder 2"/>
+          <p:cNvSpPr>
+            <a:spLocks noGrp="1"/>
+          </p:cNvSpPr>
+          <p:nvPr>
+            <p:ph idx="1"/>
+          </p:nvPr>
+        </p:nvSpPr>
+        <p:spPr/>
+        <p:txBody>
+          <a:bodyPr/>
+          <a:lstStyle/>
+          <a:p>
+            <a:r>
+              <a:rPr lang="en-US" dirty="0" err="1" smtClean="0"/>
+              <a:t>Pertama</a:t>
+            </a:r>
+            <a:r>
+              <a:rPr lang="en-US" dirty="0" smtClean="0"/>
+              <a:t>-tama, user </a:t>
+            </a:r>
+            <a:r>
+              <a:rPr lang="en-US" dirty="0" err="1" smtClean="0"/>
+              <a:t>mengakses</a:t>
+            </a:r>
+            <a:r>
+              <a:rPr lang="en-US" dirty="0" smtClean="0"/>
+              <a:t> </a:t>
+            </a:r>
+            <a:r>
+              <a:rPr lang="en-US" dirty="0" err="1" smtClean="0"/>
+              <a:t>UMKOnline</a:t>
+            </a:r>
+            <a:endParaRPr lang="en-US" dirty="0" smtClean="0"/>
+          </a:p>
+          <a:p>
+            <a:r>
+              <a:rPr lang="en-US" dirty="0" err="1" smtClean="0"/>
+              <a:t>Kemudian</a:t>
+            </a:r>
+            <a:r>
+              <a:rPr lang="en-US" dirty="0" smtClean="0"/>
+              <a:t>, user </a:t>
+            </a:r>
+            <a:r>
+              <a:rPr lang="en-US" dirty="0" err="1" smtClean="0"/>
+              <a:t>harus</a:t>
+            </a:r>
+            <a:r>
+              <a:rPr lang="en-US" dirty="0" smtClean="0"/>
+              <a:t> </a:t>
+            </a:r>
+            <a:r>
+              <a:rPr lang="en-US" dirty="0" err="1" smtClean="0"/>
+              <a:t>mengdaftarkan</a:t>
+            </a:r>
+            <a:r>
+              <a:rPr lang="en-US" dirty="0" smtClean="0"/>
+              <a:t> UMK </a:t>
+            </a:r>
+            <a:r>
+              <a:rPr lang="en-US" dirty="0" err="1" smtClean="0"/>
+              <a:t>dan</a:t>
+            </a:r>
+            <a:r>
+              <a:rPr lang="en-US" dirty="0" smtClean="0"/>
+              <a:t> </a:t>
+            </a:r>
+            <a:r>
+              <a:rPr lang="en-US" dirty="0" err="1" smtClean="0"/>
+              <a:t>mengisi</a:t>
+            </a:r>
+            <a:r>
+              <a:rPr lang="en-US" dirty="0" smtClean="0"/>
+              <a:t> </a:t>
+            </a:r>
+            <a:r>
+              <a:rPr lang="en-US" dirty="0" err="1" smtClean="0"/>
+              <a:t>daftar</a:t>
+            </a:r>
+            <a:r>
+              <a:rPr lang="en-US" dirty="0" smtClean="0"/>
+              <a:t> </a:t>
+            </a:r>
+            <a:r>
+              <a:rPr lang="en-US" dirty="0" err="1" smtClean="0"/>
+              <a:t>keuangan</a:t>
+            </a:r>
+            <a:r>
+              <a:rPr lang="en-US" dirty="0" smtClean="0"/>
+              <a:t>.</a:t>
+            </a:r>
+          </a:p>
+          <a:p>
+            <a:r>
+              <a:rPr lang="en-US" dirty="0" err="1" smtClean="0"/>
+              <a:t>Setelah</a:t>
+            </a:r>
+            <a:r>
+              <a:rPr lang="en-US" dirty="0" smtClean="0"/>
+              <a:t> user </a:t>
+            </a:r>
+            <a:r>
+              <a:rPr lang="en-US" dirty="0" err="1" smtClean="0"/>
+              <a:t>mendaftarkan</a:t>
+            </a:r>
+            <a:r>
+              <a:rPr lang="en-US" dirty="0" smtClean="0"/>
+              <a:t> </a:t>
+            </a:r>
+            <a:r>
+              <a:rPr lang="en-US" dirty="0" err="1" smtClean="0"/>
+              <a:t>diri</a:t>
+            </a:r>
+            <a:r>
+              <a:rPr lang="en-US" dirty="0" smtClean="0"/>
+              <a:t> </a:t>
+            </a:r>
+            <a:r>
+              <a:rPr lang="en-US" dirty="0" err="1" smtClean="0"/>
+              <a:t>dan</a:t>
+            </a:r>
+            <a:r>
+              <a:rPr lang="en-US" dirty="0" smtClean="0"/>
+              <a:t> </a:t>
+            </a:r>
+            <a:r>
+              <a:rPr lang="en-US" dirty="0" err="1" smtClean="0"/>
+              <a:t>mengisi</a:t>
+            </a:r>
+            <a:r>
+              <a:rPr lang="en-US" dirty="0" smtClean="0"/>
+              <a:t> </a:t>
+            </a:r>
+            <a:r>
+              <a:rPr lang="en-US" dirty="0" err="1" smtClean="0"/>
+              <a:t>daftar</a:t>
+            </a:r>
+            <a:r>
+              <a:rPr lang="en-US" dirty="0" smtClean="0"/>
+              <a:t> </a:t>
+            </a:r>
+            <a:r>
+              <a:rPr lang="en-US" dirty="0" err="1" smtClean="0"/>
+              <a:t>keuangan</a:t>
+            </a:r>
+            <a:r>
+              <a:rPr lang="en-US" dirty="0" smtClean="0"/>
+              <a:t>, user </a:t>
+            </a:r>
+            <a:r>
+              <a:rPr lang="en-US" dirty="0" err="1" smtClean="0"/>
+              <a:t>baru</a:t>
+            </a:r>
+            <a:r>
+              <a:rPr lang="en-US" dirty="0" smtClean="0"/>
+              <a:t> </a:t>
+            </a:r>
+            <a:r>
+              <a:rPr lang="en-US" dirty="0" err="1" smtClean="0"/>
+              <a:t>dapat</a:t>
+            </a:r>
+            <a:r>
+              <a:rPr lang="en-US" dirty="0" smtClean="0"/>
+              <a:t> </a:t>
+            </a:r>
+            <a:r>
+              <a:rPr lang="en-US" dirty="0" err="1" smtClean="0"/>
+              <a:t>mengakses</a:t>
+            </a:r>
+            <a:r>
+              <a:rPr lang="en-US" dirty="0" smtClean="0"/>
+              <a:t> application server ( Unit </a:t>
+            </a:r>
+            <a:r>
+              <a:rPr lang="en-US" dirty="0" err="1" smtClean="0"/>
+              <a:t>usaha</a:t>
+            </a:r>
+            <a:r>
+              <a:rPr lang="en-US" dirty="0" smtClean="0"/>
+              <a:t>, </a:t>
+            </a:r>
+            <a:r>
+              <a:rPr lang="en-US" dirty="0" err="1" smtClean="0"/>
+              <a:t>profil</a:t>
+            </a:r>
+            <a:r>
+              <a:rPr lang="en-US" dirty="0" smtClean="0"/>
+              <a:t>, </a:t>
+            </a:r>
+            <a:r>
+              <a:rPr lang="en-US" dirty="0" err="1" smtClean="0"/>
+              <a:t>transaksi</a:t>
+            </a:r>
+            <a:r>
+              <a:rPr lang="en-US" dirty="0" smtClean="0"/>
+              <a:t> UMK, </a:t>
+            </a:r>
+            <a:r>
+              <a:rPr lang="en-US" dirty="0" err="1" smtClean="0"/>
+              <a:t>dan</a:t>
+            </a:r>
+            <a:r>
+              <a:rPr lang="en-US" dirty="0" smtClean="0"/>
+              <a:t> </a:t>
+            </a:r>
+            <a:r>
+              <a:rPr lang="en-US" dirty="0" err="1" smtClean="0"/>
+              <a:t>produk</a:t>
+            </a:r>
+            <a:r>
+              <a:rPr lang="en-US" dirty="0" smtClean="0"/>
+              <a:t>)</a:t>
+            </a:r>
+            <a:endParaRPr lang="en-GB" dirty="0"/>
           </a:p>
         </p:txBody>
       </p:sp>
     </p:spTree>
     <p:extLst>
       <p:ext uri="{BB962C8B-B14F-4D97-AF65-F5344CB8AC3E}">
-        <p14:creationId xmlns:p14="http://schemas.microsoft.com/office/powerpoint/2010/main" val="2127338812"/>
+        <p14:creationId xmlns:p14="http://schemas.microsoft.com/office/powerpoint/2010/main" val="4108563706"/>
       </p:ext>
     </p:extLst>
   </p:cSld>
   <p:clrMapOvr>
     <a:masterClrMapping/>
   </p:clrMapOvr>
+  <p:timing>
+    <p:tnLst>
+      <p:par>
+        <p:cTn id="1" dur="indefinite" restart="never" nodeType="tmRoot"/>
+      </p:par>
+    </p:tnLst>
+  </p:timing>
 </p:sld>
 </file>
 
@@ -5665,29 +6738,25 @@
           </a:p>
         </p:txBody>
       </p:sp>
-      <p:pic>
-        <p:nvPicPr>
-          <p:cNvPr id="4" name="Content Placeholder 3" descr="usecasediagram.JPG"/>
-          <p:cNvPicPr>
-            <a:picLocks noGrp="1" noChangeAspect="1"/>
-          </p:cNvPicPr>
+      <p:sp>
+        <p:nvSpPr>
+          <p:cNvPr id="3" name="Content Placeholder 2"/>
+          <p:cNvSpPr>
+            <a:spLocks noGrp="1"/>
+          </p:cNvSpPr>
           <p:nvPr>
             <p:ph idx="1"/>
           </p:nvPr>
-        </p:nvPicPr>
-        <p:blipFill>
-          <a:blip r:embed="rId2"/>
-          <a:stretch>
-            <a:fillRect/>
-          </a:stretch>
-        </p:blipFill>
-        <p:spPr>
-          <a:xfrm>
-            <a:off x="1" y="2133600"/>
-            <a:ext cx="8458200" cy="3703769"/>
-          </a:xfrm>
-        </p:spPr>
-      </p:pic>
+        </p:nvSpPr>
+        <p:spPr/>
+        <p:txBody>
+          <a:bodyPr/>
+          <a:lstStyle/>
+          <a:p>
+            <a:endParaRPr lang="en-US"/>
+          </a:p>
+        </p:txBody>
+      </p:sp>
     </p:spTree>
     <p:extLst>
       <p:ext uri="{BB962C8B-B14F-4D97-AF65-F5344CB8AC3E}">
@@ -5735,546 +6804,47 @@
             <p:ph type="title"/>
           </p:nvPr>
         </p:nvSpPr>
+        <p:spPr>
+          <a:xfrm>
+            <a:off x="0" y="0"/>
+            <a:ext cx="8229600" cy="1143000"/>
+          </a:xfrm>
+        </p:spPr>
+        <p:txBody>
+          <a:bodyPr/>
+          <a:lstStyle/>
+          <a:p>
+            <a:r>
+              <a:rPr lang="en-US" sz="4400" dirty="0" smtClean="0"/>
+              <a:t>Value Chain Diagram</a:t>
+            </a:r>
+            <a:endParaRPr lang="en-US" sz="4400" dirty="0"/>
+          </a:p>
+        </p:txBody>
+      </p:sp>
+      <p:sp>
+        <p:nvSpPr>
+          <p:cNvPr id="3" name="Content Placeholder 2"/>
+          <p:cNvSpPr>
+            <a:spLocks noGrp="1"/>
+          </p:cNvSpPr>
+          <p:nvPr>
+            <p:ph idx="1"/>
+          </p:nvPr>
+        </p:nvSpPr>
         <p:spPr/>
         <p:txBody>
           <a:bodyPr/>
           <a:lstStyle/>
           <a:p>
-            <a:r>
-              <a:rPr lang="en-US" dirty="0" err="1" smtClean="0"/>
-              <a:t>Keterangan</a:t>
-            </a:r>
-            <a:endParaRPr lang="en-US" dirty="0"/>
-          </a:p>
-        </p:txBody>
-      </p:sp>
-      <p:sp>
-        <p:nvSpPr>
-          <p:cNvPr id="3" name="Content Placeholder 2"/>
-          <p:cNvSpPr>
-            <a:spLocks noGrp="1"/>
-          </p:cNvSpPr>
-          <p:nvPr>
-            <p:ph idx="1"/>
-          </p:nvPr>
-        </p:nvSpPr>
-        <p:spPr/>
-        <p:txBody>
-          <a:bodyPr>
-            <a:normAutofit fontScale="92500" lnSpcReduction="20000"/>
-          </a:bodyPr>
-          <a:lstStyle/>
-          <a:p>
-            <a:r>
-              <a:rPr lang="en-US" dirty="0" err="1" smtClean="0"/>
-              <a:t>Keterangan</a:t>
-            </a:r>
-            <a:r>
-              <a:rPr lang="en-US" dirty="0" smtClean="0"/>
-              <a:t> Use Case Diagram :</a:t>
-            </a:r>
-          </a:p>
-          <a:p>
-            <a:r>
-              <a:rPr lang="en-US" dirty="0" smtClean="0"/>
-              <a:t>UMK ( </a:t>
-            </a:r>
-            <a:r>
-              <a:rPr lang="en-US" dirty="0" err="1" smtClean="0"/>
-              <a:t>Pelaku</a:t>
-            </a:r>
-            <a:r>
-              <a:rPr lang="en-US" dirty="0" smtClean="0"/>
-              <a:t> </a:t>
-            </a:r>
-            <a:r>
-              <a:rPr lang="en-US" dirty="0" err="1" smtClean="0"/>
-              <a:t>Utama</a:t>
-            </a:r>
-            <a:r>
-              <a:rPr lang="en-US" dirty="0" smtClean="0"/>
-              <a:t> ) </a:t>
-            </a:r>
-            <a:r>
-              <a:rPr lang="en-US" dirty="0" err="1" smtClean="0"/>
-              <a:t>Melakukan</a:t>
-            </a:r>
-            <a:r>
-              <a:rPr lang="en-US" dirty="0" smtClean="0"/>
-              <a:t> </a:t>
-            </a:r>
-            <a:r>
-              <a:rPr lang="en-US" dirty="0" err="1" smtClean="0"/>
-              <a:t>registrasi</a:t>
-            </a:r>
-            <a:r>
-              <a:rPr lang="en-US" dirty="0" smtClean="0"/>
-              <a:t> yang </a:t>
-            </a:r>
-            <a:r>
-              <a:rPr lang="en-US" dirty="0" err="1" smtClean="0"/>
-              <a:t>kemudian</a:t>
-            </a:r>
-            <a:r>
-              <a:rPr lang="en-US" dirty="0" smtClean="0"/>
-              <a:t> </a:t>
-            </a:r>
-            <a:r>
-              <a:rPr lang="en-US" dirty="0" err="1" smtClean="0"/>
-              <a:t>diproses</a:t>
-            </a:r>
-            <a:r>
-              <a:rPr lang="en-US" dirty="0" smtClean="0"/>
-              <a:t> </a:t>
-            </a:r>
-            <a:r>
-              <a:rPr lang="en-US" dirty="0" err="1" smtClean="0"/>
-              <a:t>oleh</a:t>
-            </a:r>
-            <a:r>
-              <a:rPr lang="en-US" dirty="0" smtClean="0"/>
-              <a:t> </a:t>
-            </a:r>
-            <a:r>
-              <a:rPr lang="en-US" dirty="0" err="1" smtClean="0"/>
-              <a:t>sistem</a:t>
-            </a:r>
-            <a:r>
-              <a:rPr lang="en-US" dirty="0" smtClean="0"/>
-              <a:t> bank.</a:t>
-            </a:r>
-          </a:p>
-          <a:p>
-            <a:r>
-              <a:rPr lang="en-US" dirty="0" smtClean="0"/>
-              <a:t>Admin ( </a:t>
-            </a:r>
-            <a:r>
-              <a:rPr lang="en-US" dirty="0" err="1" smtClean="0"/>
-              <a:t>Pelaku</a:t>
-            </a:r>
-            <a:r>
-              <a:rPr lang="en-US" dirty="0" smtClean="0"/>
-              <a:t> </a:t>
-            </a:r>
-            <a:r>
-              <a:rPr lang="en-US" dirty="0" err="1" smtClean="0"/>
-              <a:t>kedua</a:t>
-            </a:r>
-            <a:r>
-              <a:rPr lang="en-US" dirty="0" smtClean="0"/>
-              <a:t> ) </a:t>
-            </a:r>
-            <a:r>
-              <a:rPr lang="en-US" dirty="0" err="1" smtClean="0"/>
-              <a:t>akan</a:t>
-            </a:r>
-            <a:r>
-              <a:rPr lang="en-US" dirty="0" smtClean="0"/>
-              <a:t> </a:t>
-            </a:r>
-            <a:r>
-              <a:rPr lang="en-US" dirty="0" err="1" smtClean="0"/>
-              <a:t>menyetujui</a:t>
-            </a:r>
-            <a:r>
-              <a:rPr lang="en-US" dirty="0" smtClean="0"/>
-              <a:t> </a:t>
-            </a:r>
-            <a:r>
-              <a:rPr lang="en-US" dirty="0" err="1" smtClean="0"/>
-              <a:t>registrasi</a:t>
-            </a:r>
-            <a:r>
-              <a:rPr lang="en-US" dirty="0" smtClean="0"/>
-              <a:t> UMK</a:t>
-            </a:r>
-          </a:p>
-          <a:p>
-            <a:r>
-              <a:rPr lang="en-US" dirty="0" err="1" smtClean="0"/>
-              <a:t>Setelah</a:t>
-            </a:r>
-            <a:r>
-              <a:rPr lang="en-US" dirty="0" smtClean="0"/>
-              <a:t> </a:t>
-            </a:r>
-            <a:r>
-              <a:rPr lang="en-US" dirty="0" err="1" smtClean="0"/>
-              <a:t>teregistrasi</a:t>
-            </a:r>
-            <a:r>
-              <a:rPr lang="en-US" dirty="0" smtClean="0"/>
-              <a:t> , UMK </a:t>
-            </a:r>
-            <a:r>
-              <a:rPr lang="en-US" dirty="0" err="1" smtClean="0"/>
-              <a:t>memiliki</a:t>
-            </a:r>
-            <a:r>
-              <a:rPr lang="en-US" dirty="0" smtClean="0"/>
-              <a:t> </a:t>
-            </a:r>
-            <a:r>
-              <a:rPr lang="en-US" dirty="0" err="1" smtClean="0"/>
-              <a:t>akun</a:t>
-            </a:r>
-            <a:r>
-              <a:rPr lang="en-US" dirty="0" smtClean="0"/>
-              <a:t> </a:t>
-            </a:r>
-            <a:r>
-              <a:rPr lang="en-US" dirty="0" err="1" smtClean="0"/>
-              <a:t>dan</a:t>
-            </a:r>
-            <a:r>
-              <a:rPr lang="en-US" dirty="0" smtClean="0"/>
-              <a:t> </a:t>
-            </a:r>
-            <a:r>
-              <a:rPr lang="en-US" dirty="0" err="1" smtClean="0"/>
-              <a:t>dapat</a:t>
-            </a:r>
-            <a:r>
-              <a:rPr lang="en-US" dirty="0" smtClean="0"/>
-              <a:t> login</a:t>
-            </a:r>
-          </a:p>
-          <a:p>
-            <a:r>
-              <a:rPr lang="en-US" dirty="0" err="1" smtClean="0"/>
-              <a:t>Dalam</a:t>
-            </a:r>
-            <a:r>
-              <a:rPr lang="en-US" dirty="0" smtClean="0"/>
-              <a:t> Database Bank </a:t>
-            </a:r>
-            <a:r>
-              <a:rPr lang="en-US" dirty="0" err="1" smtClean="0"/>
-              <a:t>terdapat</a:t>
-            </a:r>
-            <a:r>
-              <a:rPr lang="en-US" dirty="0" smtClean="0"/>
-              <a:t> </a:t>
-            </a:r>
-            <a:r>
-              <a:rPr lang="en-US" dirty="0" err="1" smtClean="0"/>
-              <a:t>akun</a:t>
-            </a:r>
-            <a:r>
-              <a:rPr lang="en-US" dirty="0" smtClean="0"/>
-              <a:t> UMK</a:t>
-            </a:r>
-          </a:p>
-          <a:p>
-            <a:endParaRPr lang="en-US" dirty="0" smtClean="0"/>
-          </a:p>
-          <a:p>
-            <a:r>
-              <a:rPr lang="en-US" dirty="0" err="1" smtClean="0"/>
-              <a:t>Akun</a:t>
-            </a:r>
-            <a:r>
-              <a:rPr lang="en-US" dirty="0" smtClean="0"/>
-              <a:t> UMK </a:t>
-            </a:r>
-            <a:r>
-              <a:rPr lang="en-US" dirty="0" err="1" smtClean="0"/>
-              <a:t>memiliki</a:t>
-            </a:r>
-            <a:r>
-              <a:rPr lang="en-US" dirty="0" smtClean="0"/>
-              <a:t> </a:t>
-            </a:r>
-            <a:r>
-              <a:rPr lang="en-US" dirty="0" err="1" smtClean="0"/>
-              <a:t>isi</a:t>
-            </a:r>
-            <a:r>
-              <a:rPr lang="en-US" dirty="0" smtClean="0"/>
-              <a:t> : </a:t>
-            </a:r>
-            <a:r>
-              <a:rPr lang="en-US" dirty="0" err="1" smtClean="0"/>
-              <a:t>informasi</a:t>
-            </a:r>
-            <a:r>
-              <a:rPr lang="en-US" dirty="0" smtClean="0"/>
-              <a:t> </a:t>
-            </a:r>
-            <a:r>
-              <a:rPr lang="en-US" dirty="0" err="1" smtClean="0"/>
-              <a:t>kas</a:t>
-            </a:r>
-            <a:r>
-              <a:rPr lang="en-US" dirty="0" smtClean="0"/>
-              <a:t>, </a:t>
-            </a:r>
-            <a:r>
-              <a:rPr lang="en-US" dirty="0" err="1" smtClean="0"/>
-              <a:t>produk</a:t>
-            </a:r>
-            <a:r>
-              <a:rPr lang="en-US" dirty="0" smtClean="0"/>
-              <a:t>, log,  </a:t>
-            </a:r>
-            <a:r>
-              <a:rPr lang="en-US" dirty="0" err="1" smtClean="0"/>
-              <a:t>dan</a:t>
-            </a:r>
-            <a:r>
-              <a:rPr lang="en-US" dirty="0" smtClean="0"/>
-              <a:t> </a:t>
-            </a:r>
-            <a:r>
-              <a:rPr lang="en-US" dirty="0" err="1" smtClean="0"/>
-              <a:t>informasi</a:t>
-            </a:r>
-            <a:r>
-              <a:rPr lang="en-US" dirty="0" smtClean="0"/>
-              <a:t> UMK</a:t>
-            </a:r>
-          </a:p>
-          <a:p>
-            <a:endParaRPr lang="en-US" dirty="0" smtClean="0"/>
-          </a:p>
-          <a:p>
-            <a:r>
-              <a:rPr lang="en-US" dirty="0" err="1" smtClean="0"/>
-              <a:t>Pengguna</a:t>
-            </a:r>
-            <a:r>
-              <a:rPr lang="en-US" dirty="0" smtClean="0"/>
-              <a:t> </a:t>
-            </a:r>
-            <a:r>
-              <a:rPr lang="en-US" dirty="0" err="1" smtClean="0"/>
-              <a:t>dapat</a:t>
-            </a:r>
-            <a:r>
-              <a:rPr lang="en-US" dirty="0" smtClean="0"/>
-              <a:t> </a:t>
-            </a:r>
-            <a:r>
-              <a:rPr lang="en-US" dirty="0" err="1" smtClean="0"/>
-              <a:t>meng</a:t>
-            </a:r>
-            <a:r>
-              <a:rPr lang="en-US" dirty="0" smtClean="0"/>
-              <a:t>-update </a:t>
-            </a:r>
-            <a:r>
-              <a:rPr lang="en-US" dirty="0" err="1" smtClean="0"/>
-              <a:t>informasi</a:t>
-            </a:r>
-            <a:r>
-              <a:rPr lang="en-US" dirty="0" smtClean="0"/>
-              <a:t> yang </a:t>
-            </a:r>
-            <a:r>
-              <a:rPr lang="en-US" dirty="0" err="1" smtClean="0"/>
-              <a:t>terdapat</a:t>
-            </a:r>
-            <a:r>
-              <a:rPr lang="en-US" dirty="0" smtClean="0"/>
-              <a:t> </a:t>
-            </a:r>
-            <a:r>
-              <a:rPr lang="en-US" dirty="0" err="1" smtClean="0"/>
-              <a:t>pada</a:t>
-            </a:r>
-            <a:r>
-              <a:rPr lang="en-US" dirty="0" smtClean="0"/>
-              <a:t> </a:t>
-            </a:r>
-            <a:r>
-              <a:rPr lang="en-US" dirty="0" err="1" smtClean="0"/>
-              <a:t>akun</a:t>
-            </a:r>
-            <a:r>
-              <a:rPr lang="en-US" dirty="0" smtClean="0"/>
-              <a:t> UMK</a:t>
-            </a:r>
-          </a:p>
-          <a:p>
-            <a:r>
-              <a:rPr lang="en-US" dirty="0" err="1" smtClean="0"/>
-              <a:t>Penarikan</a:t>
-            </a:r>
-            <a:r>
-              <a:rPr lang="en-US" dirty="0" smtClean="0"/>
-              <a:t> </a:t>
-            </a:r>
-            <a:r>
-              <a:rPr lang="en-US" dirty="0" err="1" smtClean="0"/>
-              <a:t>kas</a:t>
-            </a:r>
-            <a:r>
-              <a:rPr lang="en-US" dirty="0" smtClean="0"/>
-              <a:t> </a:t>
-            </a:r>
-            <a:r>
-              <a:rPr lang="en-US" dirty="0" err="1" smtClean="0"/>
-              <a:t>akan</a:t>
-            </a:r>
-            <a:r>
-              <a:rPr lang="en-US" dirty="0" smtClean="0"/>
-              <a:t> </a:t>
-            </a:r>
-            <a:r>
-              <a:rPr lang="en-US" dirty="0" err="1" smtClean="0"/>
-              <a:t>meng</a:t>
-            </a:r>
-            <a:r>
-              <a:rPr lang="en-US" dirty="0" smtClean="0"/>
-              <a:t>-update </a:t>
-            </a:r>
-            <a:r>
-              <a:rPr lang="en-US" dirty="0" err="1" smtClean="0"/>
-              <a:t>isi</a:t>
-            </a:r>
-            <a:r>
-              <a:rPr lang="en-US" dirty="0" smtClean="0"/>
-              <a:t> </a:t>
-            </a:r>
-            <a:r>
-              <a:rPr lang="en-US" dirty="0" err="1" smtClean="0"/>
-              <a:t>kas</a:t>
-            </a:r>
-            <a:r>
-              <a:rPr lang="en-US" dirty="0" smtClean="0"/>
-              <a:t> UMK</a:t>
-            </a:r>
-            <a:br>
-              <a:rPr lang="en-US" dirty="0" smtClean="0"/>
-            </a:br>
-            <a:r>
-              <a:rPr lang="en-US" dirty="0" err="1" smtClean="0"/>
-              <a:t>Pengguna</a:t>
-            </a:r>
-            <a:r>
-              <a:rPr lang="en-US" dirty="0" smtClean="0"/>
-              <a:t> </a:t>
-            </a:r>
-            <a:r>
-              <a:rPr lang="en-US" dirty="0" err="1" smtClean="0"/>
-              <a:t>dapat</a:t>
-            </a:r>
-            <a:r>
-              <a:rPr lang="en-US" dirty="0" smtClean="0"/>
-              <a:t> </a:t>
-            </a:r>
-            <a:r>
-              <a:rPr lang="en-US" dirty="0" err="1" smtClean="0"/>
-              <a:t>melakukan</a:t>
-            </a:r>
-            <a:r>
-              <a:rPr lang="en-US" dirty="0" smtClean="0"/>
-              <a:t> print log </a:t>
-            </a:r>
-            <a:r>
-              <a:rPr lang="en-US" dirty="0" err="1" smtClean="0"/>
-              <a:t>aktivitas</a:t>
-            </a:r>
-            <a:endParaRPr lang="en-US" dirty="0" smtClean="0"/>
-          </a:p>
-          <a:p>
-            <a:r>
-              <a:rPr lang="en-US" dirty="0" smtClean="0"/>
-              <a:t>Log </a:t>
-            </a:r>
-            <a:r>
-              <a:rPr lang="en-US" dirty="0" err="1" smtClean="0"/>
-              <a:t>aktivitas</a:t>
-            </a:r>
-            <a:r>
-              <a:rPr lang="en-US" dirty="0" smtClean="0"/>
-              <a:t> </a:t>
-            </a:r>
-            <a:r>
-              <a:rPr lang="en-US" dirty="0" err="1" smtClean="0"/>
-              <a:t>selalu</a:t>
-            </a:r>
-            <a:r>
-              <a:rPr lang="en-US" dirty="0" smtClean="0"/>
-              <a:t> update </a:t>
-            </a:r>
-            <a:r>
-              <a:rPr lang="en-US" dirty="0" err="1" smtClean="0"/>
-              <a:t>setiap</a:t>
-            </a:r>
-            <a:r>
-              <a:rPr lang="en-US" dirty="0" smtClean="0"/>
-              <a:t> </a:t>
-            </a:r>
-            <a:r>
-              <a:rPr lang="en-US" dirty="0" err="1" smtClean="0"/>
-              <a:t>hari</a:t>
-            </a:r>
-            <a:r>
-              <a:rPr lang="en-US" dirty="0" smtClean="0"/>
-              <a:t> </a:t>
-            </a:r>
-            <a:r>
-              <a:rPr lang="en-US" dirty="0" err="1" smtClean="0"/>
-              <a:t>dan</a:t>
-            </a:r>
-            <a:r>
-              <a:rPr lang="en-US" dirty="0" smtClean="0"/>
-              <a:t> </a:t>
-            </a:r>
-            <a:r>
-              <a:rPr lang="en-US" dirty="0" err="1" smtClean="0"/>
-              <a:t>merekam</a:t>
-            </a:r>
-            <a:r>
-              <a:rPr lang="en-US" dirty="0" smtClean="0"/>
-              <a:t> </a:t>
-            </a:r>
-            <a:r>
-              <a:rPr lang="en-US" dirty="0" err="1" smtClean="0"/>
-              <a:t>adanya</a:t>
-            </a:r>
-            <a:r>
-              <a:rPr lang="en-US" dirty="0" smtClean="0"/>
-              <a:t> </a:t>
-            </a:r>
-            <a:r>
-              <a:rPr lang="en-US" dirty="0" err="1" smtClean="0"/>
-              <a:t>transaksi</a:t>
-            </a:r>
-            <a:r>
-              <a:rPr lang="en-US" dirty="0" smtClean="0"/>
-              <a:t> </a:t>
-            </a:r>
-            <a:r>
-              <a:rPr lang="en-US" dirty="0" err="1" smtClean="0"/>
-              <a:t>pada</a:t>
-            </a:r>
-            <a:r>
-              <a:rPr lang="en-US" dirty="0" smtClean="0"/>
-              <a:t> jam </a:t>
-            </a:r>
-            <a:r>
-              <a:rPr lang="en-US" dirty="0" err="1" smtClean="0"/>
-              <a:t>terjadinya</a:t>
-            </a:r>
-            <a:r>
-              <a:rPr lang="en-US" dirty="0" smtClean="0"/>
-              <a:t> </a:t>
-            </a:r>
-            <a:r>
-              <a:rPr lang="en-US" dirty="0" err="1" smtClean="0"/>
-              <a:t>transaksi</a:t>
-            </a:r>
-            <a:endParaRPr lang="en-US" dirty="0"/>
+            <a:endParaRPr lang="en-US"/>
           </a:p>
         </p:txBody>
       </p:sp>
     </p:spTree>
     <p:extLst>
       <p:ext uri="{BB962C8B-B14F-4D97-AF65-F5344CB8AC3E}">
-        <p14:creationId xmlns:p14="http://schemas.microsoft.com/office/powerpoint/2010/main" val="4243723295"/>
+        <p14:creationId xmlns:p14="http://schemas.microsoft.com/office/powerpoint/2010/main" val="2060762672"/>
       </p:ext>
     </p:extLst>
   </p:cSld>
@@ -6315,64 +6885,32 @@
             <a:spLocks noGrp="1"/>
           </p:cNvSpPr>
           <p:nvPr>
-            <p:ph type="title"/>
+            <p:ph type="ctrTitle"/>
           </p:nvPr>
         </p:nvSpPr>
         <p:spPr>
           <a:xfrm>
-            <a:off x="0" y="0"/>
-            <a:ext cx="8229600" cy="1143000"/>
+            <a:off x="0" y="2438400"/>
+            <a:ext cx="8458200" cy="1470025"/>
           </a:xfrm>
         </p:spPr>
         <p:txBody>
           <a:bodyPr/>
           <a:lstStyle/>
           <a:p>
-            <a:r>
-              <a:rPr lang="en-US" sz="4400" dirty="0" smtClean="0"/>
-              <a:t>Class </a:t>
-            </a:r>
-            <a:r>
-              <a:rPr lang="en-US" sz="4400" dirty="0" smtClean="0"/>
-              <a:t>Diagram</a:t>
-            </a:r>
-            <a:endParaRPr lang="en-US" sz="4400" dirty="0"/>
-          </a:p>
-        </p:txBody>
-      </p:sp>
-      <p:pic>
-        <p:nvPicPr>
-          <p:cNvPr id="4" name="Content Placeholder 3"/>
-          <p:cNvPicPr>
-            <a:picLocks noGrp="1" noChangeAspect="1"/>
-          </p:cNvPicPr>
-          <p:nvPr>
-            <p:ph idx="1"/>
-          </p:nvPr>
-        </p:nvPicPr>
-        <p:blipFill>
-          <a:blip r:embed="rId2">
-            <a:extLst>
-              <a:ext uri="{28A0092B-C50C-407E-A947-70E740481C1C}">
-                <a14:useLocalDpi xmlns:a14="http://schemas.microsoft.com/office/drawing/2010/main" val="0"/>
-              </a:ext>
-            </a:extLst>
-          </a:blip>
-          <a:stretch>
-            <a:fillRect/>
-          </a:stretch>
-        </p:blipFill>
-        <p:spPr>
-          <a:xfrm>
-            <a:off x="0" y="1104905"/>
-            <a:ext cx="8458199" cy="5753096"/>
-          </a:xfrm>
-        </p:spPr>
-      </p:pic>
+            <a:pPr algn="ctr"/>
+            <a:r>
+              <a:rPr lang="id-ID" dirty="0" smtClean="0"/>
+              <a:t>Business Architecture</a:t>
+            </a:r>
+            <a:endParaRPr lang="id-ID" dirty="0"/>
+          </a:p>
+        </p:txBody>
+      </p:sp>
     </p:spTree>
     <p:extLst>
       <p:ext uri="{BB962C8B-B14F-4D97-AF65-F5344CB8AC3E}">
-        <p14:creationId xmlns:p14="http://schemas.microsoft.com/office/powerpoint/2010/main" val="2060762672"/>
+        <p14:creationId xmlns:p14="http://schemas.microsoft.com/office/powerpoint/2010/main" val="222237135"/>
       </p:ext>
     </p:extLst>
   </p:cSld>
@@ -6413,32 +6951,51 @@
             <a:spLocks noGrp="1"/>
           </p:cNvSpPr>
           <p:nvPr>
-            <p:ph type="ctrTitle"/>
-          </p:nvPr>
-        </p:nvSpPr>
+            <p:ph type="title"/>
+          </p:nvPr>
+        </p:nvSpPr>
+        <p:spPr/>
+        <p:txBody>
+          <a:bodyPr>
+            <a:normAutofit/>
+          </a:bodyPr>
+          <a:lstStyle/>
+          <a:p>
+            <a:r>
+              <a:rPr lang="id-ID" dirty="0" smtClean="0"/>
+              <a:t>Use Case Diagram</a:t>
+            </a:r>
+            <a:endParaRPr lang="id-ID" dirty="0"/>
+          </a:p>
+        </p:txBody>
+      </p:sp>
+      <p:pic>
+        <p:nvPicPr>
+          <p:cNvPr id="6" name="Content Placeholder 5" descr="use case 2.jpg"/>
+          <p:cNvPicPr>
+            <a:picLocks noGrp="1" noChangeAspect="1"/>
+          </p:cNvPicPr>
+          <p:nvPr>
+            <p:ph idx="1"/>
+          </p:nvPr>
+        </p:nvPicPr>
+        <p:blipFill>
+          <a:blip r:embed="rId2"/>
+          <a:stretch>
+            <a:fillRect/>
+          </a:stretch>
+        </p:blipFill>
         <p:spPr>
           <a:xfrm>
-            <a:off x="0" y="2438400"/>
-            <a:ext cx="8458200" cy="1470025"/>
+            <a:off x="969752" y="1143000"/>
+            <a:ext cx="7204496" cy="5656796"/>
           </a:xfrm>
         </p:spPr>
-        <p:txBody>
-          <a:bodyPr/>
-          <a:lstStyle/>
-          <a:p>
-            <a:pPr algn="ctr"/>
-            <a:r>
-              <a:rPr lang="id-ID" dirty="0" smtClean="0"/>
-              <a:t>Business Architecture</a:t>
-            </a:r>
-            <a:endParaRPr lang="id-ID" dirty="0"/>
-          </a:p>
-        </p:txBody>
-      </p:sp>
+      </p:pic>
     </p:spTree>
     <p:extLst>
       <p:ext uri="{BB962C8B-B14F-4D97-AF65-F5344CB8AC3E}">
-        <p14:creationId xmlns:p14="http://schemas.microsoft.com/office/powerpoint/2010/main" val="222237135"/>
+        <p14:creationId xmlns:p14="http://schemas.microsoft.com/office/powerpoint/2010/main" val="3062956273"/>
       </p:ext>
     </p:extLst>
   </p:cSld>
@@ -6484,84 +7041,6 @@
         </p:nvSpPr>
         <p:spPr/>
         <p:txBody>
-          <a:bodyPr>
-            <a:normAutofit/>
-          </a:bodyPr>
-          <a:lstStyle/>
-          <a:p>
-            <a:r>
-              <a:rPr lang="id-ID" dirty="0" smtClean="0"/>
-              <a:t>Use Case Diagram</a:t>
-            </a:r>
-            <a:endParaRPr lang="id-ID" dirty="0"/>
-          </a:p>
-        </p:txBody>
-      </p:sp>
-      <p:pic>
-        <p:nvPicPr>
-          <p:cNvPr id="6" name="Content Placeholder 5" descr="use case 2.jpg"/>
-          <p:cNvPicPr>
-            <a:picLocks noGrp="1" noChangeAspect="1"/>
-          </p:cNvPicPr>
-          <p:nvPr>
-            <p:ph idx="1"/>
-          </p:nvPr>
-        </p:nvPicPr>
-        <p:blipFill>
-          <a:blip r:embed="rId2"/>
-          <a:stretch>
-            <a:fillRect/>
-          </a:stretch>
-        </p:blipFill>
-        <p:spPr>
-          <a:xfrm>
-            <a:off x="969752" y="1143000"/>
-            <a:ext cx="7204496" cy="5656796"/>
-          </a:xfrm>
-        </p:spPr>
-      </p:pic>
-    </p:spTree>
-    <p:extLst>
-      <p:ext uri="{BB962C8B-B14F-4D97-AF65-F5344CB8AC3E}">
-        <p14:creationId xmlns:p14="http://schemas.microsoft.com/office/powerpoint/2010/main" val="3062956273"/>
-      </p:ext>
-    </p:extLst>
-  </p:cSld>
-  <p:clrMapOvr>
-    <a:masterClrMapping/>
-  </p:clrMapOvr>
-</p:sld>
-</file>
-
-<file path=ppt/slides/slide8.xml><?xml version="1.0" encoding="utf-8"?>
-<p:sld xmlns:a="http://schemas.openxmlformats.org/drawingml/2006/main" xmlns:r="http://schemas.openxmlformats.org/officeDocument/2006/relationships" xmlns:p="http://schemas.openxmlformats.org/presentationml/2006/main">
-  <p:cSld>
-    <p:spTree>
-      <p:nvGrpSpPr>
-        <p:cNvPr id="1" name=""/>
-        <p:cNvGrpSpPr/>
-        <p:nvPr/>
-      </p:nvGrpSpPr>
-      <p:grpSpPr>
-        <a:xfrm>
-          <a:off x="0" y="0"/>
-          <a:ext cx="0" cy="0"/>
-          <a:chOff x="0" y="0"/>
-          <a:chExt cx="0" cy="0"/>
-        </a:xfrm>
-      </p:grpSpPr>
-      <p:sp>
-        <p:nvSpPr>
-          <p:cNvPr id="2" name="Title 1"/>
-          <p:cNvSpPr>
-            <a:spLocks noGrp="1"/>
-          </p:cNvSpPr>
-          <p:nvPr>
-            <p:ph type="title"/>
-          </p:nvPr>
-        </p:nvSpPr>
-        <p:spPr/>
-        <p:txBody>
           <a:bodyPr/>
           <a:lstStyle/>
           <a:p>
@@ -6626,10 +7105,17 @@
   <p:clrMapOvr>
     <a:masterClrMapping/>
   </p:clrMapOvr>
+  <p:timing>
+    <p:tnLst>
+      <p:par>
+        <p:cTn id="1" dur="indefinite" restart="never" nodeType="tmRoot"/>
+      </p:par>
+    </p:tnLst>
+  </p:timing>
 </p:sld>
 </file>
 
-<file path=ppt/slides/slide9.xml><?xml version="1.0" encoding="utf-8"?>
+<file path=ppt/slides/slide8.xml><?xml version="1.0" encoding="utf-8"?>
 <p:sld xmlns:a="http://schemas.openxmlformats.org/drawingml/2006/main" xmlns:r="http://schemas.openxmlformats.org/officeDocument/2006/relationships" xmlns:p="http://schemas.openxmlformats.org/presentationml/2006/main">
   <p:cSld>
     <p:spTree>
@@ -6702,6 +7188,158 @@
   <p:clrMapOvr>
     <a:masterClrMapping/>
   </p:clrMapOvr>
+  <p:timing>
+    <p:tnLst>
+      <p:par>
+        <p:cTn id="1" dur="indefinite" restart="never" nodeType="tmRoot"/>
+      </p:par>
+    </p:tnLst>
+  </p:timing>
+</p:sld>
+</file>
+
+<file path=ppt/slides/slide9.xml><?xml version="1.0" encoding="utf-8"?>
+<p:sld xmlns:a="http://schemas.openxmlformats.org/drawingml/2006/main" xmlns:r="http://schemas.openxmlformats.org/officeDocument/2006/relationships" xmlns:p="http://schemas.openxmlformats.org/presentationml/2006/main">
+  <p:cSld>
+    <p:spTree>
+      <p:nvGrpSpPr>
+        <p:cNvPr id="1" name=""/>
+        <p:cNvGrpSpPr/>
+        <p:nvPr/>
+      </p:nvGrpSpPr>
+      <p:grpSpPr>
+        <a:xfrm>
+          <a:off x="0" y="0"/>
+          <a:ext cx="0" cy="0"/>
+          <a:chOff x="0" y="0"/>
+          <a:chExt cx="0" cy="0"/>
+        </a:xfrm>
+      </p:grpSpPr>
+      <p:sp>
+        <p:nvSpPr>
+          <p:cNvPr id="2" name="Title 1"/>
+          <p:cNvSpPr>
+            <a:spLocks noGrp="1"/>
+          </p:cNvSpPr>
+          <p:nvPr>
+            <p:ph type="title"/>
+          </p:nvPr>
+        </p:nvSpPr>
+        <p:spPr/>
+        <p:txBody>
+          <a:bodyPr>
+            <a:normAutofit fontScale="90000"/>
+          </a:bodyPr>
+          <a:lstStyle/>
+          <a:p>
+            <a:r>
+              <a:rPr lang="id-ID" dirty="0" smtClean="0"/>
+              <a:t>Penjelasan </a:t>
+            </a:r>
+            <a:r>
+              <a:rPr lang="en-US" dirty="0" smtClean="0"/>
+              <a:t>Goal-Object-Service Diagram</a:t>
+            </a:r>
+            <a:r>
+              <a:rPr lang="id-ID" dirty="0" smtClean="0"/>
+              <a:t> </a:t>
+            </a:r>
+            <a:endParaRPr lang="id-ID" dirty="0"/>
+          </a:p>
+        </p:txBody>
+      </p:sp>
+      <p:sp>
+        <p:nvSpPr>
+          <p:cNvPr id="3" name="Content Placeholder 2"/>
+          <p:cNvSpPr>
+            <a:spLocks noGrp="1"/>
+          </p:cNvSpPr>
+          <p:nvPr>
+            <p:ph idx="1"/>
+          </p:nvPr>
+        </p:nvSpPr>
+        <p:spPr/>
+        <p:txBody>
+          <a:bodyPr>
+            <a:normAutofit/>
+          </a:bodyPr>
+          <a:lstStyle/>
+          <a:p>
+            <a:pPr>
+              <a:buNone/>
+            </a:pPr>
+            <a:r>
+              <a:rPr lang="id-ID" dirty="0" smtClean="0"/>
+              <a:t>Objektif: </a:t>
+            </a:r>
+          </a:p>
+          <a:p>
+            <a:r>
+              <a:rPr lang="sv-SE" dirty="0" smtClean="0"/>
+              <a:t>UMK dapat mencatatkan semua transaksi bisnisnya. </a:t>
+            </a:r>
+          </a:p>
+          <a:p>
+            <a:r>
+              <a:rPr lang="id-ID" dirty="0" smtClean="0"/>
+              <a:t>UMK dapat membuat sistem pembukuan yang diterima oleh Bank. </a:t>
+            </a:r>
+          </a:p>
+          <a:p>
+            <a:r>
+              <a:rPr lang="id-ID" dirty="0" smtClean="0"/>
+              <a:t>UMK dapat membuat daftar produk unggulan yang menjadi ciri khasnya. </a:t>
+            </a:r>
+          </a:p>
+          <a:p>
+            <a:r>
+              <a:rPr lang="id-ID" dirty="0" smtClean="0"/>
+              <a:t>UMK dan Bank dapat berinteraksi dalam konteks permodalan melalui </a:t>
+            </a:r>
+            <a:r>
+              <a:rPr lang="id-ID" dirty="0" smtClean="0"/>
+              <a:t>KUR</a:t>
+            </a:r>
+            <a:r>
+              <a:rPr lang="en-US" dirty="0" smtClean="0"/>
+              <a:t>(</a:t>
+            </a:r>
+            <a:r>
+              <a:rPr lang="en-US" dirty="0" err="1" smtClean="0"/>
+              <a:t>Kredit</a:t>
+            </a:r>
+            <a:r>
+              <a:rPr lang="en-US" dirty="0" smtClean="0"/>
+              <a:t> Usaha Rakyat)</a:t>
+            </a:r>
+            <a:r>
+              <a:rPr lang="id-ID" dirty="0" smtClean="0"/>
+              <a:t>. </a:t>
+            </a:r>
+            <a:endParaRPr lang="id-ID" dirty="0" smtClean="0"/>
+          </a:p>
+          <a:p>
+            <a:endParaRPr lang="id-ID" dirty="0"/>
+          </a:p>
+        </p:txBody>
+      </p:sp>
+    </p:spTree>
+    <p:extLst>
+      <p:ext uri="{BB962C8B-B14F-4D97-AF65-F5344CB8AC3E}">
+        <p14:creationId xmlns:p14="http://schemas.microsoft.com/office/powerpoint/2010/main" val="257452202"/>
+      </p:ext>
+    </p:extLst>
+  </p:cSld>
+  <p:clrMapOvr>
+    <a:masterClrMapping/>
+  </p:clrMapOvr>
+  <p:timing>
+    <p:tnLst>
+      <p:par>
+        <p:cTn id="1" dur="indefinite" restart="never" nodeType="tmRoot"/>
+      </p:par>
+    </p:tnLst>
+  </p:timing>
 </p:sld>
 </file>
 
@@ -6936,4 +7574,289 @@
   <a:objectDefaults/>
   <a:extraClrSchemeLst/>
 </a:theme>
+</file>
+
+<file path=ppt/theme/theme2.xml><?xml version="1.0" encoding="utf-8"?>
+<a:theme xmlns:a="http://schemas.openxmlformats.org/drawingml/2006/main" name="Office Theme">
+  <a:themeElements>
+    <a:clrScheme name="Office">
+      <a:dk1>
+        <a:sysClr val="windowText" lastClr="000000"/>
+      </a:dk1>
+      <a:lt1>
+        <a:sysClr val="window" lastClr="FFFFFF"/>
+      </a:lt1>
+      <a:dk2>
+        <a:srgbClr val="1F497D"/>
+      </a:dk2>
+      <a:lt2>
+        <a:srgbClr val="EEECE1"/>
+      </a:lt2>
+      <a:accent1>
+        <a:srgbClr val="4F81BD"/>
+      </a:accent1>
+      <a:accent2>
+        <a:srgbClr val="C0504D"/>
+      </a:accent2>
+      <a:accent3>
+        <a:srgbClr val="9BBB59"/>
+      </a:accent3>
+      <a:accent4>
+        <a:srgbClr val="8064A2"/>
+      </a:accent4>
+      <a:accent5>
+        <a:srgbClr val="4BACC6"/>
+      </a:accent5>
+      <a:accent6>
+        <a:srgbClr val="F79646"/>
+      </a:accent6>
+      <a:hlink>
+        <a:srgbClr val="0000FF"/>
+      </a:hlink>
+      <a:folHlink>
+        <a:srgbClr val="800080"/>
+      </a:folHlink>
+    </a:clrScheme>
+    <a:fontScheme name="Office">
+      <a:majorFont>
+        <a:latin typeface="Calibri"/>
+        <a:ea typeface=""/>
+        <a:cs typeface=""/>
+        <a:font script="Jpan" typeface="ＭＳ Ｐゴシック"/>
+        <a:font script="Hang" typeface="맑은 고딕"/>
+        <a:font script="Hans" typeface="宋体"/>
+        <a:font script="Hant" typeface="新細明體"/>
+        <a:font script="Arab" typeface="Times New Roman"/>
+        <a:font script="Hebr" typeface="Times New Roman"/>
+        <a:font script="Thai" typeface="Angsana New"/>
+        <a:font script="Ethi" typeface="Nyala"/>
+        <a:font script="Beng" typeface="Vrinda"/>
+        <a:font script="Gujr" typeface="Shruti"/>
+        <a:font script="Khmr" typeface="MoolBoran"/>
+        <a:font script="Knda" typeface="Tunga"/>
+        <a:font script="Guru" typeface="Raavi"/>
+        <a:font script="Cans" typeface="Euphemia"/>
+        <a:font script="Cher" typeface="Plantagenet Cherokee"/>
+        <a:font script="Yiii" typeface="Microsoft Yi Baiti"/>
+        <a:font script="Tibt" typeface="Microsoft Himalaya"/>
+        <a:font script="Thaa" typeface="MV Boli"/>
+        <a:font script="Deva" typeface="Mangal"/>
+        <a:font script="Telu" typeface="Gautami"/>
+        <a:font script="Taml" typeface="Latha"/>
+        <a:font script="Syrc" typeface="Estrangelo Edessa"/>
+        <a:font script="Orya" typeface="Kalinga"/>
+        <a:font script="Mlym" typeface="Kartika"/>
+        <a:font script="Laoo" typeface="DokChampa"/>
+        <a:font script="Sinh" typeface="Iskoola Pota"/>
+        <a:font script="Mong" typeface="Mongolian Baiti"/>
+        <a:font script="Viet" typeface="Times New Roman"/>
+        <a:font script="Uigh" typeface="Microsoft Uighur"/>
+        <a:font script="Geor" typeface="Sylfaen"/>
+      </a:majorFont>
+      <a:minorFont>
+        <a:latin typeface="Calibri"/>
+        <a:ea typeface=""/>
+        <a:cs typeface=""/>
+        <a:font script="Jpan" typeface="ＭＳ Ｐゴシック"/>
+        <a:font script="Hang" typeface="맑은 고딕"/>
+        <a:font script="Hans" typeface="宋体"/>
+        <a:font script="Hant" typeface="新細明體"/>
+        <a:font script="Arab" typeface="Arial"/>
+        <a:font script="Hebr" typeface="Arial"/>
+        <a:font script="Thai" typeface="Cordia New"/>
+        <a:font script="Ethi" typeface="Nyala"/>
+        <a:font script="Beng" typeface="Vrinda"/>
+        <a:font script="Gujr" typeface="Shruti"/>
+        <a:font script="Khmr" typeface="DaunPenh"/>
+        <a:font script="Knda" typeface="Tunga"/>
+        <a:font script="Guru" typeface="Raavi"/>
+        <a:font script="Cans" typeface="Euphemia"/>
+        <a:font script="Cher" typeface="Plantagenet Cherokee"/>
+        <a:font script="Yiii" typeface="Microsoft Yi Baiti"/>
+        <a:font script="Tibt" typeface="Microsoft Himalaya"/>
+        <a:font script="Thaa" typeface="MV Boli"/>
+        <a:font script="Deva" typeface="Mangal"/>
+        <a:font script="Telu" typeface="Gautami"/>
+        <a:font script="Taml" typeface="Latha"/>
+        <a:font script="Syrc" typeface="Estrangelo Edessa"/>
+        <a:font script="Orya" typeface="Kalinga"/>
+        <a:font script="Mlym" typeface="Kartika"/>
+        <a:font script="Laoo" typeface="DokChampa"/>
+        <a:font script="Sinh" typeface="Iskoola Pota"/>
+        <a:font script="Mong" typeface="Mongolian Baiti"/>
+        <a:font script="Viet" typeface="Arial"/>
+        <a:font script="Uigh" typeface="Microsoft Uighur"/>
+        <a:font script="Geor" typeface="Sylfaen"/>
+      </a:minorFont>
+    </a:fontScheme>
+    <a:fmtScheme name="Office">
+      <a:fillStyleLst>
+        <a:solidFill>
+          <a:schemeClr val="phClr"/>
+        </a:solidFill>
+        <a:gradFill rotWithShape="1">
+          <a:gsLst>
+            <a:gs pos="0">
+              <a:schemeClr val="phClr">
+                <a:tint val="50000"/>
+                <a:satMod val="300000"/>
+              </a:schemeClr>
+            </a:gs>
+            <a:gs pos="35000">
+              <a:schemeClr val="phClr">
+                <a:tint val="37000"/>
+                <a:satMod val="300000"/>
+              </a:schemeClr>
+            </a:gs>
+            <a:gs pos="100000">
+              <a:schemeClr val="phClr">
+                <a:tint val="15000"/>
+                <a:satMod val="350000"/>
+              </a:schemeClr>
+            </a:gs>
+          </a:gsLst>
+          <a:lin ang="16200000" scaled="1"/>
+        </a:gradFill>
+        <a:gradFill rotWithShape="1">
+          <a:gsLst>
+            <a:gs pos="0">
+              <a:schemeClr val="phClr">
+                <a:shade val="51000"/>
+                <a:satMod val="130000"/>
+              </a:schemeClr>
+            </a:gs>
+            <a:gs pos="80000">
+              <a:schemeClr val="phClr">
+                <a:shade val="93000"/>
+                <a:satMod val="130000"/>
+              </a:schemeClr>
+            </a:gs>
+            <a:gs pos="100000">
+              <a:schemeClr val="phClr">
+                <a:shade val="94000"/>
+                <a:satMod val="135000"/>
+              </a:schemeClr>
+            </a:gs>
+          </a:gsLst>
+          <a:lin ang="16200000" scaled="0"/>
+        </a:gradFill>
+      </a:fillStyleLst>
+      <a:lnStyleLst>
+        <a:ln w="9525" cap="flat" cmpd="sng" algn="ctr">
+          <a:solidFill>
+            <a:schemeClr val="phClr">
+              <a:shade val="95000"/>
+              <a:satMod val="105000"/>
+            </a:schemeClr>
+          </a:solidFill>
+          <a:prstDash val="solid"/>
+        </a:ln>
+        <a:ln w="25400" cap="flat" cmpd="sng" algn="ctr">
+          <a:solidFill>
+            <a:schemeClr val="phClr"/>
+          </a:solidFill>
+          <a:prstDash val="solid"/>
+        </a:ln>
+        <a:ln w="38100" cap="flat" cmpd="sng" algn="ctr">
+          <a:solidFill>
+            <a:schemeClr val="phClr"/>
+          </a:solidFill>
+          <a:prstDash val="solid"/>
+        </a:ln>
+      </a:lnStyleLst>
+      <a:effectStyleLst>
+        <a:effectStyle>
+          <a:effectLst>
+            <a:outerShdw blurRad="40000" dist="20000" dir="5400000" rotWithShape="0">
+              <a:srgbClr val="000000">
+                <a:alpha val="38000"/>
+              </a:srgbClr>
+            </a:outerShdw>
+          </a:effectLst>
+        </a:effectStyle>
+        <a:effectStyle>
+          <a:effectLst>
+            <a:outerShdw blurRad="40000" dist="23000" dir="5400000" rotWithShape="0">
+              <a:srgbClr val="000000">
+                <a:alpha val="35000"/>
+              </a:srgbClr>
+            </a:outerShdw>
+          </a:effectLst>
+        </a:effectStyle>
+        <a:effectStyle>
+          <a:effectLst>
+            <a:outerShdw blurRad="40000" dist="23000" dir="5400000" rotWithShape="0">
+              <a:srgbClr val="000000">
+                <a:alpha val="35000"/>
+              </a:srgbClr>
+            </a:outerShdw>
+          </a:effectLst>
+          <a:scene3d>
+            <a:camera prst="orthographicFront">
+              <a:rot lat="0" lon="0" rev="0"/>
+            </a:camera>
+            <a:lightRig rig="threePt" dir="t">
+              <a:rot lat="0" lon="0" rev="1200000"/>
+            </a:lightRig>
+          </a:scene3d>
+          <a:sp3d>
+            <a:bevelT w="63500" h="25400"/>
+          </a:sp3d>
+        </a:effectStyle>
+      </a:effectStyleLst>
+      <a:bgFillStyleLst>
+        <a:solidFill>
+          <a:schemeClr val="phClr"/>
+        </a:solidFill>
+        <a:gradFill rotWithShape="1">
+          <a:gsLst>
+            <a:gs pos="0">
+              <a:schemeClr val="phClr">
+                <a:tint val="40000"/>
+                <a:satMod val="350000"/>
+              </a:schemeClr>
+            </a:gs>
+            <a:gs pos="40000">
+              <a:schemeClr val="phClr">
+                <a:tint val="45000"/>
+                <a:shade val="99000"/>
+                <a:satMod val="350000"/>
+              </a:schemeClr>
+            </a:gs>
+            <a:gs pos="100000">
+              <a:schemeClr val="phClr">
+                <a:shade val="20000"/>
+                <a:satMod val="255000"/>
+              </a:schemeClr>
+            </a:gs>
+          </a:gsLst>
+          <a:path path="circle">
+            <a:fillToRect l="50000" t="-80000" r="50000" b="180000"/>
+          </a:path>
+        </a:gradFill>
+        <a:gradFill rotWithShape="1">
+          <a:gsLst>
+            <a:gs pos="0">
+              <a:schemeClr val="phClr">
+                <a:tint val="80000"/>
+                <a:satMod val="300000"/>
+              </a:schemeClr>
+            </a:gs>
+            <a:gs pos="100000">
+              <a:schemeClr val="phClr">
+                <a:shade val="30000"/>
+                <a:satMod val="200000"/>
+              </a:schemeClr>
+            </a:gs>
+          </a:gsLst>
+          <a:path path="circle">
+            <a:fillToRect l="50000" t="50000" r="50000" b="50000"/>
+          </a:path>
+        </a:gradFill>
+      </a:bgFillStyleLst>
+    </a:fmtScheme>
+  </a:themeElements>
+  <a:objectDefaults/>
+  <a:extraClrSchemeLst/>
+</a:theme>
 </file>